--- a/Exercices/S1_03_UtilisationModules/02_MarcheAutoEvitante/images/02_MarcheAutoEvitante.pptx
+++ b/Exercices/S1_03_UtilisationModules/02_MarcheAutoEvitante/images/02_MarcheAutoEvitante.pptx
@@ -7,6 +7,7 @@
   <p:sldIdLst>
     <p:sldId id="256" r:id="rId2"/>
     <p:sldId id="257" r:id="rId3"/>
+    <p:sldId id="258" r:id="rId4"/>
   </p:sldIdLst>
   <p:sldSz cx="12192000" cy="6858000"/>
   <p:notesSz cx="6858000" cy="9144000"/>
@@ -105,6 +106,11 @@
       </a:defRPr>
     </a:lvl9pPr>
   </p:defaultTextStyle>
+  <p:extLst>
+    <p:ext uri="{EFAFB233-063F-42B5-8137-9DF3F51BA10A}">
+      <p15:sldGuideLst xmlns:p15="http://schemas.microsoft.com/office/powerpoint/2012/main"/>
+    </p:ext>
+  </p:extLst>
 </p:presentation>
 </file>
 
@@ -150,10 +156,9 @@
           </a:lstStyle>
           <a:p>
             <a:r>
-              <a:rPr lang="fr-FR" smtClean="0"/>
+              <a:rPr lang="fr-FR"/>
               <a:t>Modifiez le style du titre</a:t>
             </a:r>
-            <a:endParaRPr lang="fr-FR"/>
           </a:p>
         </p:txBody>
       </p:sp>
@@ -215,10 +220,9 @@
           </a:lstStyle>
           <a:p>
             <a:r>
-              <a:rPr lang="fr-FR" smtClean="0"/>
+              <a:rPr lang="fr-FR"/>
               <a:t>Modifier le style des sous-titres du masque</a:t>
             </a:r>
-            <a:endParaRPr lang="fr-FR"/>
           </a:p>
         </p:txBody>
       </p:sp>
@@ -239,7 +243,7 @@
           <a:p>
             <a:fld id="{6F639E55-E330-45FC-8708-D04C52C9283E}" type="datetimeFigureOut">
               <a:rPr lang="fr-FR" smtClean="0"/>
-              <a:t>16/11/2023</a:t>
+              <a:t>16/11/2024</a:t>
             </a:fld>
             <a:endParaRPr lang="fr-FR"/>
           </a:p>
@@ -333,10 +337,9 @@
           <a:lstStyle/>
           <a:p>
             <a:r>
-              <a:rPr lang="fr-FR" smtClean="0"/>
+              <a:rPr lang="fr-FR"/>
               <a:t>Modifiez le style du titre</a:t>
             </a:r>
-            <a:endParaRPr lang="fr-FR"/>
           </a:p>
         </p:txBody>
       </p:sp>
@@ -357,38 +360,37 @@
           <a:p>
             <a:pPr lvl="0"/>
             <a:r>
-              <a:rPr lang="fr-FR" smtClean="0"/>
+              <a:rPr lang="fr-FR"/>
               <a:t>Modifier les styles du texte du masque</a:t>
             </a:r>
           </a:p>
           <a:p>
             <a:pPr lvl="1"/>
             <a:r>
-              <a:rPr lang="fr-FR" smtClean="0"/>
+              <a:rPr lang="fr-FR"/>
               <a:t>Deuxième niveau</a:t>
             </a:r>
           </a:p>
           <a:p>
             <a:pPr lvl="2"/>
             <a:r>
-              <a:rPr lang="fr-FR" smtClean="0"/>
+              <a:rPr lang="fr-FR"/>
               <a:t>Troisième niveau</a:t>
             </a:r>
           </a:p>
           <a:p>
             <a:pPr lvl="3"/>
             <a:r>
-              <a:rPr lang="fr-FR" smtClean="0"/>
+              <a:rPr lang="fr-FR"/>
               <a:t>Quatrième niveau</a:t>
             </a:r>
           </a:p>
           <a:p>
             <a:pPr lvl="4"/>
             <a:r>
-              <a:rPr lang="fr-FR" smtClean="0"/>
+              <a:rPr lang="fr-FR"/>
               <a:t>Cinquième niveau</a:t>
             </a:r>
-            <a:endParaRPr lang="fr-FR"/>
           </a:p>
         </p:txBody>
       </p:sp>
@@ -409,7 +411,7 @@
           <a:p>
             <a:fld id="{6F639E55-E330-45FC-8708-D04C52C9283E}" type="datetimeFigureOut">
               <a:rPr lang="fr-FR" smtClean="0"/>
-              <a:t>16/11/2023</a:t>
+              <a:t>16/11/2024</a:t>
             </a:fld>
             <a:endParaRPr lang="fr-FR"/>
           </a:p>
@@ -508,10 +510,9 @@
           <a:lstStyle/>
           <a:p>
             <a:r>
-              <a:rPr lang="fr-FR" smtClean="0"/>
+              <a:rPr lang="fr-FR"/>
               <a:t>Modifiez le style du titre</a:t>
             </a:r>
-            <a:endParaRPr lang="fr-FR"/>
           </a:p>
         </p:txBody>
       </p:sp>
@@ -537,38 +538,37 @@
           <a:p>
             <a:pPr lvl="0"/>
             <a:r>
-              <a:rPr lang="fr-FR" smtClean="0"/>
+              <a:rPr lang="fr-FR"/>
               <a:t>Modifier les styles du texte du masque</a:t>
             </a:r>
           </a:p>
           <a:p>
             <a:pPr lvl="1"/>
             <a:r>
-              <a:rPr lang="fr-FR" smtClean="0"/>
+              <a:rPr lang="fr-FR"/>
               <a:t>Deuxième niveau</a:t>
             </a:r>
           </a:p>
           <a:p>
             <a:pPr lvl="2"/>
             <a:r>
-              <a:rPr lang="fr-FR" smtClean="0"/>
+              <a:rPr lang="fr-FR"/>
               <a:t>Troisième niveau</a:t>
             </a:r>
           </a:p>
           <a:p>
             <a:pPr lvl="3"/>
             <a:r>
-              <a:rPr lang="fr-FR" smtClean="0"/>
+              <a:rPr lang="fr-FR"/>
               <a:t>Quatrième niveau</a:t>
             </a:r>
           </a:p>
           <a:p>
             <a:pPr lvl="4"/>
             <a:r>
-              <a:rPr lang="fr-FR" smtClean="0"/>
+              <a:rPr lang="fr-FR"/>
               <a:t>Cinquième niveau</a:t>
             </a:r>
-            <a:endParaRPr lang="fr-FR"/>
           </a:p>
         </p:txBody>
       </p:sp>
@@ -589,7 +589,7 @@
           <a:p>
             <a:fld id="{6F639E55-E330-45FC-8708-D04C52C9283E}" type="datetimeFigureOut">
               <a:rPr lang="fr-FR" smtClean="0"/>
-              <a:t>16/11/2023</a:t>
+              <a:t>16/11/2024</a:t>
             </a:fld>
             <a:endParaRPr lang="fr-FR"/>
           </a:p>
@@ -683,10 +683,9 @@
           <a:lstStyle/>
           <a:p>
             <a:r>
-              <a:rPr lang="fr-FR" smtClean="0"/>
+              <a:rPr lang="fr-FR"/>
               <a:t>Modifiez le style du titre</a:t>
             </a:r>
-            <a:endParaRPr lang="fr-FR"/>
           </a:p>
         </p:txBody>
       </p:sp>
@@ -707,38 +706,37 @@
           <a:p>
             <a:pPr lvl="0"/>
             <a:r>
-              <a:rPr lang="fr-FR" smtClean="0"/>
+              <a:rPr lang="fr-FR"/>
               <a:t>Modifier les styles du texte du masque</a:t>
             </a:r>
           </a:p>
           <a:p>
             <a:pPr lvl="1"/>
             <a:r>
-              <a:rPr lang="fr-FR" smtClean="0"/>
+              <a:rPr lang="fr-FR"/>
               <a:t>Deuxième niveau</a:t>
             </a:r>
           </a:p>
           <a:p>
             <a:pPr lvl="2"/>
             <a:r>
-              <a:rPr lang="fr-FR" smtClean="0"/>
+              <a:rPr lang="fr-FR"/>
               <a:t>Troisième niveau</a:t>
             </a:r>
           </a:p>
           <a:p>
             <a:pPr lvl="3"/>
             <a:r>
-              <a:rPr lang="fr-FR" smtClean="0"/>
+              <a:rPr lang="fr-FR"/>
               <a:t>Quatrième niveau</a:t>
             </a:r>
           </a:p>
           <a:p>
             <a:pPr lvl="4"/>
             <a:r>
-              <a:rPr lang="fr-FR" smtClean="0"/>
+              <a:rPr lang="fr-FR"/>
               <a:t>Cinquième niveau</a:t>
             </a:r>
-            <a:endParaRPr lang="fr-FR"/>
           </a:p>
         </p:txBody>
       </p:sp>
@@ -759,7 +757,7 @@
           <a:p>
             <a:fld id="{6F639E55-E330-45FC-8708-D04C52C9283E}" type="datetimeFigureOut">
               <a:rPr lang="fr-FR" smtClean="0"/>
-              <a:t>16/11/2023</a:t>
+              <a:t>16/11/2024</a:t>
             </a:fld>
             <a:endParaRPr lang="fr-FR"/>
           </a:p>
@@ -862,10 +860,9 @@
           </a:lstStyle>
           <a:p>
             <a:r>
-              <a:rPr lang="fr-FR" smtClean="0"/>
+              <a:rPr lang="fr-FR"/>
               <a:t>Modifiez le style du titre</a:t>
             </a:r>
-            <a:endParaRPr lang="fr-FR"/>
           </a:p>
         </p:txBody>
       </p:sp>
@@ -982,7 +979,7 @@
           <a:p>
             <a:pPr lvl="0"/>
             <a:r>
-              <a:rPr lang="fr-FR" smtClean="0"/>
+              <a:rPr lang="fr-FR"/>
               <a:t>Modifier les styles du texte du masque</a:t>
             </a:r>
           </a:p>
@@ -1005,7 +1002,7 @@
           <a:p>
             <a:fld id="{6F639E55-E330-45FC-8708-D04C52C9283E}" type="datetimeFigureOut">
               <a:rPr lang="fr-FR" smtClean="0"/>
-              <a:t>16/11/2023</a:t>
+              <a:t>16/11/2024</a:t>
             </a:fld>
             <a:endParaRPr lang="fr-FR"/>
           </a:p>
@@ -1099,10 +1096,9 @@
           <a:lstStyle/>
           <a:p>
             <a:r>
-              <a:rPr lang="fr-FR" smtClean="0"/>
+              <a:rPr lang="fr-FR"/>
               <a:t>Modifiez le style du titre</a:t>
             </a:r>
-            <a:endParaRPr lang="fr-FR"/>
           </a:p>
         </p:txBody>
       </p:sp>
@@ -1128,38 +1124,37 @@
           <a:p>
             <a:pPr lvl="0"/>
             <a:r>
-              <a:rPr lang="fr-FR" smtClean="0"/>
+              <a:rPr lang="fr-FR"/>
               <a:t>Modifier les styles du texte du masque</a:t>
             </a:r>
           </a:p>
           <a:p>
             <a:pPr lvl="1"/>
             <a:r>
-              <a:rPr lang="fr-FR" smtClean="0"/>
+              <a:rPr lang="fr-FR"/>
               <a:t>Deuxième niveau</a:t>
             </a:r>
           </a:p>
           <a:p>
             <a:pPr lvl="2"/>
             <a:r>
-              <a:rPr lang="fr-FR" smtClean="0"/>
+              <a:rPr lang="fr-FR"/>
               <a:t>Troisième niveau</a:t>
             </a:r>
           </a:p>
           <a:p>
             <a:pPr lvl="3"/>
             <a:r>
-              <a:rPr lang="fr-FR" smtClean="0"/>
+              <a:rPr lang="fr-FR"/>
               <a:t>Quatrième niveau</a:t>
             </a:r>
           </a:p>
           <a:p>
             <a:pPr lvl="4"/>
             <a:r>
-              <a:rPr lang="fr-FR" smtClean="0"/>
+              <a:rPr lang="fr-FR"/>
               <a:t>Cinquième niveau</a:t>
             </a:r>
-            <a:endParaRPr lang="fr-FR"/>
           </a:p>
         </p:txBody>
       </p:sp>
@@ -1185,38 +1180,37 @@
           <a:p>
             <a:pPr lvl="0"/>
             <a:r>
-              <a:rPr lang="fr-FR" smtClean="0"/>
+              <a:rPr lang="fr-FR"/>
               <a:t>Modifier les styles du texte du masque</a:t>
             </a:r>
           </a:p>
           <a:p>
             <a:pPr lvl="1"/>
             <a:r>
-              <a:rPr lang="fr-FR" smtClean="0"/>
+              <a:rPr lang="fr-FR"/>
               <a:t>Deuxième niveau</a:t>
             </a:r>
           </a:p>
           <a:p>
             <a:pPr lvl="2"/>
             <a:r>
-              <a:rPr lang="fr-FR" smtClean="0"/>
+              <a:rPr lang="fr-FR"/>
               <a:t>Troisième niveau</a:t>
             </a:r>
           </a:p>
           <a:p>
             <a:pPr lvl="3"/>
             <a:r>
-              <a:rPr lang="fr-FR" smtClean="0"/>
+              <a:rPr lang="fr-FR"/>
               <a:t>Quatrième niveau</a:t>
             </a:r>
           </a:p>
           <a:p>
             <a:pPr lvl="4"/>
             <a:r>
-              <a:rPr lang="fr-FR" smtClean="0"/>
+              <a:rPr lang="fr-FR"/>
               <a:t>Cinquième niveau</a:t>
             </a:r>
-            <a:endParaRPr lang="fr-FR"/>
           </a:p>
         </p:txBody>
       </p:sp>
@@ -1237,7 +1231,7 @@
           <a:p>
             <a:fld id="{6F639E55-E330-45FC-8708-D04C52C9283E}" type="datetimeFigureOut">
               <a:rPr lang="fr-FR" smtClean="0"/>
-              <a:t>16/11/2023</a:t>
+              <a:t>16/11/2024</a:t>
             </a:fld>
             <a:endParaRPr lang="fr-FR"/>
           </a:p>
@@ -1336,10 +1330,9 @@
           <a:lstStyle/>
           <a:p>
             <a:r>
-              <a:rPr lang="fr-FR" smtClean="0"/>
+              <a:rPr lang="fr-FR"/>
               <a:t>Modifiez le style du titre</a:t>
             </a:r>
-            <a:endParaRPr lang="fr-FR"/>
           </a:p>
         </p:txBody>
       </p:sp>
@@ -1402,7 +1395,7 @@
           <a:p>
             <a:pPr lvl="0"/>
             <a:r>
-              <a:rPr lang="fr-FR" smtClean="0"/>
+              <a:rPr lang="fr-FR"/>
               <a:t>Modifier les styles du texte du masque</a:t>
             </a:r>
           </a:p>
@@ -1430,38 +1423,37 @@
           <a:p>
             <a:pPr lvl="0"/>
             <a:r>
-              <a:rPr lang="fr-FR" smtClean="0"/>
+              <a:rPr lang="fr-FR"/>
               <a:t>Modifier les styles du texte du masque</a:t>
             </a:r>
           </a:p>
           <a:p>
             <a:pPr lvl="1"/>
             <a:r>
-              <a:rPr lang="fr-FR" smtClean="0"/>
+              <a:rPr lang="fr-FR"/>
               <a:t>Deuxième niveau</a:t>
             </a:r>
           </a:p>
           <a:p>
             <a:pPr lvl="2"/>
             <a:r>
-              <a:rPr lang="fr-FR" smtClean="0"/>
+              <a:rPr lang="fr-FR"/>
               <a:t>Troisième niveau</a:t>
             </a:r>
           </a:p>
           <a:p>
             <a:pPr lvl="3"/>
             <a:r>
-              <a:rPr lang="fr-FR" smtClean="0"/>
+              <a:rPr lang="fr-FR"/>
               <a:t>Quatrième niveau</a:t>
             </a:r>
           </a:p>
           <a:p>
             <a:pPr lvl="4"/>
             <a:r>
-              <a:rPr lang="fr-FR" smtClean="0"/>
+              <a:rPr lang="fr-FR"/>
               <a:t>Cinquième niveau</a:t>
             </a:r>
-            <a:endParaRPr lang="fr-FR"/>
           </a:p>
         </p:txBody>
       </p:sp>
@@ -1524,7 +1516,7 @@
           <a:p>
             <a:pPr lvl="0"/>
             <a:r>
-              <a:rPr lang="fr-FR" smtClean="0"/>
+              <a:rPr lang="fr-FR"/>
               <a:t>Modifier les styles du texte du masque</a:t>
             </a:r>
           </a:p>
@@ -1552,38 +1544,37 @@
           <a:p>
             <a:pPr lvl="0"/>
             <a:r>
-              <a:rPr lang="fr-FR" smtClean="0"/>
+              <a:rPr lang="fr-FR"/>
               <a:t>Modifier les styles du texte du masque</a:t>
             </a:r>
           </a:p>
           <a:p>
             <a:pPr lvl="1"/>
             <a:r>
-              <a:rPr lang="fr-FR" smtClean="0"/>
+              <a:rPr lang="fr-FR"/>
               <a:t>Deuxième niveau</a:t>
             </a:r>
           </a:p>
           <a:p>
             <a:pPr lvl="2"/>
             <a:r>
-              <a:rPr lang="fr-FR" smtClean="0"/>
+              <a:rPr lang="fr-FR"/>
               <a:t>Troisième niveau</a:t>
             </a:r>
           </a:p>
           <a:p>
             <a:pPr lvl="3"/>
             <a:r>
-              <a:rPr lang="fr-FR" smtClean="0"/>
+              <a:rPr lang="fr-FR"/>
               <a:t>Quatrième niveau</a:t>
             </a:r>
           </a:p>
           <a:p>
             <a:pPr lvl="4"/>
             <a:r>
-              <a:rPr lang="fr-FR" smtClean="0"/>
+              <a:rPr lang="fr-FR"/>
               <a:t>Cinquième niveau</a:t>
             </a:r>
-            <a:endParaRPr lang="fr-FR"/>
           </a:p>
         </p:txBody>
       </p:sp>
@@ -1604,7 +1595,7 @@
           <a:p>
             <a:fld id="{6F639E55-E330-45FC-8708-D04C52C9283E}" type="datetimeFigureOut">
               <a:rPr lang="fr-FR" smtClean="0"/>
-              <a:t>16/11/2023</a:t>
+              <a:t>16/11/2024</a:t>
             </a:fld>
             <a:endParaRPr lang="fr-FR"/>
           </a:p>
@@ -1698,10 +1689,9 @@
           <a:lstStyle/>
           <a:p>
             <a:r>
-              <a:rPr lang="fr-FR" smtClean="0"/>
+              <a:rPr lang="fr-FR"/>
               <a:t>Modifiez le style du titre</a:t>
             </a:r>
-            <a:endParaRPr lang="fr-FR"/>
           </a:p>
         </p:txBody>
       </p:sp>
@@ -1722,7 +1712,7 @@
           <a:p>
             <a:fld id="{6F639E55-E330-45FC-8708-D04C52C9283E}" type="datetimeFigureOut">
               <a:rPr lang="fr-FR" smtClean="0"/>
-              <a:t>16/11/2023</a:t>
+              <a:t>16/11/2024</a:t>
             </a:fld>
             <a:endParaRPr lang="fr-FR"/>
           </a:p>
@@ -1817,7 +1807,7 @@
           <a:p>
             <a:fld id="{6F639E55-E330-45FC-8708-D04C52C9283E}" type="datetimeFigureOut">
               <a:rPr lang="fr-FR" smtClean="0"/>
-              <a:t>16/11/2023</a:t>
+              <a:t>16/11/2024</a:t>
             </a:fld>
             <a:endParaRPr lang="fr-FR"/>
           </a:p>
@@ -1920,10 +1910,9 @@
           </a:lstStyle>
           <a:p>
             <a:r>
-              <a:rPr lang="fr-FR" smtClean="0"/>
+              <a:rPr lang="fr-FR"/>
               <a:t>Modifiez le style du titre</a:t>
             </a:r>
-            <a:endParaRPr lang="fr-FR"/>
           </a:p>
         </p:txBody>
       </p:sp>
@@ -1977,38 +1966,37 @@
           <a:p>
             <a:pPr lvl="0"/>
             <a:r>
-              <a:rPr lang="fr-FR" smtClean="0"/>
+              <a:rPr lang="fr-FR"/>
               <a:t>Modifier les styles du texte du masque</a:t>
             </a:r>
           </a:p>
           <a:p>
             <a:pPr lvl="1"/>
             <a:r>
-              <a:rPr lang="fr-FR" smtClean="0"/>
+              <a:rPr lang="fr-FR"/>
               <a:t>Deuxième niveau</a:t>
             </a:r>
           </a:p>
           <a:p>
             <a:pPr lvl="2"/>
             <a:r>
-              <a:rPr lang="fr-FR" smtClean="0"/>
+              <a:rPr lang="fr-FR"/>
               <a:t>Troisième niveau</a:t>
             </a:r>
           </a:p>
           <a:p>
             <a:pPr lvl="3"/>
             <a:r>
-              <a:rPr lang="fr-FR" smtClean="0"/>
+              <a:rPr lang="fr-FR"/>
               <a:t>Quatrième niveau</a:t>
             </a:r>
           </a:p>
           <a:p>
             <a:pPr lvl="4"/>
             <a:r>
-              <a:rPr lang="fr-FR" smtClean="0"/>
+              <a:rPr lang="fr-FR"/>
               <a:t>Cinquième niveau</a:t>
             </a:r>
-            <a:endParaRPr lang="fr-FR"/>
           </a:p>
         </p:txBody>
       </p:sp>
@@ -2071,7 +2059,7 @@
           <a:p>
             <a:pPr lvl="0"/>
             <a:r>
-              <a:rPr lang="fr-FR" smtClean="0"/>
+              <a:rPr lang="fr-FR"/>
               <a:t>Modifier les styles du texte du masque</a:t>
             </a:r>
           </a:p>
@@ -2094,7 +2082,7 @@
           <a:p>
             <a:fld id="{6F639E55-E330-45FC-8708-D04C52C9283E}" type="datetimeFigureOut">
               <a:rPr lang="fr-FR" smtClean="0"/>
-              <a:t>16/11/2023</a:t>
+              <a:t>16/11/2024</a:t>
             </a:fld>
             <a:endParaRPr lang="fr-FR"/>
           </a:p>
@@ -2197,10 +2185,9 @@
           </a:lstStyle>
           <a:p>
             <a:r>
-              <a:rPr lang="fr-FR" smtClean="0"/>
+              <a:rPr lang="fr-FR"/>
               <a:t>Modifiez le style du titre</a:t>
             </a:r>
-            <a:endParaRPr lang="fr-FR"/>
           </a:p>
         </p:txBody>
       </p:sp>
@@ -2324,7 +2311,7 @@
           <a:p>
             <a:pPr lvl="0"/>
             <a:r>
-              <a:rPr lang="fr-FR" smtClean="0"/>
+              <a:rPr lang="fr-FR"/>
               <a:t>Modifier les styles du texte du masque</a:t>
             </a:r>
           </a:p>
@@ -2347,7 +2334,7 @@
           <a:p>
             <a:fld id="{6F639E55-E330-45FC-8708-D04C52C9283E}" type="datetimeFigureOut">
               <a:rPr lang="fr-FR" smtClean="0"/>
-              <a:t>16/11/2023</a:t>
+              <a:t>16/11/2024</a:t>
             </a:fld>
             <a:endParaRPr lang="fr-FR"/>
           </a:p>
@@ -2456,10 +2443,9 @@
           <a:lstStyle/>
           <a:p>
             <a:r>
-              <a:rPr lang="fr-FR" smtClean="0"/>
+              <a:rPr lang="fr-FR"/>
               <a:t>Modifiez le style du titre</a:t>
             </a:r>
-            <a:endParaRPr lang="fr-FR"/>
           </a:p>
         </p:txBody>
       </p:sp>
@@ -2490,38 +2476,37 @@
           <a:p>
             <a:pPr lvl="0"/>
             <a:r>
-              <a:rPr lang="fr-FR" smtClean="0"/>
+              <a:rPr lang="fr-FR"/>
               <a:t>Modifier les styles du texte du masque</a:t>
             </a:r>
           </a:p>
           <a:p>
             <a:pPr lvl="1"/>
             <a:r>
-              <a:rPr lang="fr-FR" smtClean="0"/>
+              <a:rPr lang="fr-FR"/>
               <a:t>Deuxième niveau</a:t>
             </a:r>
           </a:p>
           <a:p>
             <a:pPr lvl="2"/>
             <a:r>
-              <a:rPr lang="fr-FR" smtClean="0"/>
+              <a:rPr lang="fr-FR"/>
               <a:t>Troisième niveau</a:t>
             </a:r>
           </a:p>
           <a:p>
             <a:pPr lvl="3"/>
             <a:r>
-              <a:rPr lang="fr-FR" smtClean="0"/>
+              <a:rPr lang="fr-FR"/>
               <a:t>Quatrième niveau</a:t>
             </a:r>
           </a:p>
           <a:p>
             <a:pPr lvl="4"/>
             <a:r>
-              <a:rPr lang="fr-FR" smtClean="0"/>
+              <a:rPr lang="fr-FR"/>
               <a:t>Cinquième niveau</a:t>
             </a:r>
-            <a:endParaRPr lang="fr-FR"/>
           </a:p>
         </p:txBody>
       </p:sp>
@@ -2560,7 +2545,7 @@
           <a:p>
             <a:fld id="{6F639E55-E330-45FC-8708-D04C52C9283E}" type="datetimeFigureOut">
               <a:rPr lang="fr-FR" smtClean="0"/>
-              <a:t>16/11/2023</a:t>
+              <a:t>16/11/2024</a:t>
             </a:fld>
             <a:endParaRPr lang="fr-FR"/>
           </a:p>
@@ -3598,6 +3583,3095 @@
 </p:sld>
 </file>
 
+<file path=ppt/slides/slide3.xml><?xml version="1.0" encoding="utf-8"?>
+<p:sld xmlns:a="http://schemas.openxmlformats.org/drawingml/2006/main" xmlns:r="http://schemas.openxmlformats.org/officeDocument/2006/relationships" xmlns:p="http://schemas.openxmlformats.org/presentationml/2006/main">
+  <p:cSld>
+    <p:spTree>
+      <p:nvGrpSpPr>
+        <p:cNvPr id="1" name=""/>
+        <p:cNvGrpSpPr/>
+        <p:nvPr/>
+      </p:nvGrpSpPr>
+      <p:grpSpPr>
+        <a:xfrm>
+          <a:off x="0" y="0"/>
+          <a:ext cx="0" cy="0"/>
+          <a:chOff x="0" y="0"/>
+          <a:chExt cx="0" cy="0"/>
+        </a:xfrm>
+      </p:grpSpPr>
+      <p:sp>
+        <p:nvSpPr>
+          <p:cNvPr id="4" name="Rectangle 3">
+            <a:extLst>
+              <a:ext uri="{FF2B5EF4-FFF2-40B4-BE49-F238E27FC236}">
+                <a16:creationId xmlns:a16="http://schemas.microsoft.com/office/drawing/2014/main" id="{C2D35A72-0A9A-CCFF-E497-FD3FDCD69310}"/>
+              </a:ext>
+            </a:extLst>
+          </p:cNvPr>
+          <p:cNvSpPr/>
+          <p:nvPr/>
+        </p:nvSpPr>
+        <p:spPr>
+          <a:xfrm>
+            <a:off x="2496820" y="1268730"/>
+            <a:ext cx="4320000" cy="2880000"/>
+          </a:xfrm>
+          <a:prstGeom prst="rect">
+            <a:avLst/>
+          </a:prstGeom>
+          <a:noFill/>
+          <a:ln>
+            <a:solidFill>
+              <a:schemeClr val="bg1">
+                <a:lumMod val="75000"/>
+              </a:schemeClr>
+            </a:solidFill>
+          </a:ln>
+        </p:spPr>
+        <p:style>
+          <a:lnRef idx="2">
+            <a:schemeClr val="accent1">
+              <a:shade val="15000"/>
+            </a:schemeClr>
+          </a:lnRef>
+          <a:fillRef idx="1">
+            <a:schemeClr val="accent1"/>
+          </a:fillRef>
+          <a:effectRef idx="0">
+            <a:schemeClr val="accent1"/>
+          </a:effectRef>
+          <a:fontRef idx="minor">
+            <a:schemeClr val="lt1"/>
+          </a:fontRef>
+        </p:style>
+        <p:txBody>
+          <a:bodyPr rtlCol="0" anchor="ctr"/>
+          <a:lstStyle/>
+          <a:p>
+            <a:pPr algn="ctr"/>
+            <a:endParaRPr lang="fr-FR"/>
+          </a:p>
+        </p:txBody>
+      </p:sp>
+      <p:cxnSp>
+        <p:nvCxnSpPr>
+          <p:cNvPr id="7" name="Connecteur droit 6">
+            <a:extLst>
+              <a:ext uri="{FF2B5EF4-FFF2-40B4-BE49-F238E27FC236}">
+                <a16:creationId xmlns:a16="http://schemas.microsoft.com/office/drawing/2014/main" id="{6C03E1BB-8543-D0D0-287D-EF6BAE4CCB91}"/>
+              </a:ext>
+            </a:extLst>
+          </p:cNvPr>
+          <p:cNvCxnSpPr>
+            <a:cxnSpLocks/>
+          </p:cNvCxnSpPr>
+          <p:nvPr/>
+        </p:nvCxnSpPr>
+        <p:spPr>
+          <a:xfrm>
+            <a:off x="3227722" y="1266330"/>
+            <a:ext cx="0" cy="2880000"/>
+          </a:xfrm>
+          <a:prstGeom prst="line">
+            <a:avLst/>
+          </a:prstGeom>
+          <a:noFill/>
+          <a:ln>
+            <a:solidFill>
+              <a:schemeClr val="bg1">
+                <a:lumMod val="75000"/>
+              </a:schemeClr>
+            </a:solidFill>
+          </a:ln>
+        </p:spPr>
+        <p:style>
+          <a:lnRef idx="2">
+            <a:schemeClr val="accent1">
+              <a:shade val="15000"/>
+            </a:schemeClr>
+          </a:lnRef>
+          <a:fillRef idx="1">
+            <a:schemeClr val="accent1"/>
+          </a:fillRef>
+          <a:effectRef idx="0">
+            <a:schemeClr val="accent1"/>
+          </a:effectRef>
+          <a:fontRef idx="minor">
+            <a:schemeClr val="lt1"/>
+          </a:fontRef>
+        </p:style>
+      </p:cxnSp>
+      <p:cxnSp>
+        <p:nvCxnSpPr>
+          <p:cNvPr id="9" name="Connecteur droit 8">
+            <a:extLst>
+              <a:ext uri="{FF2B5EF4-FFF2-40B4-BE49-F238E27FC236}">
+                <a16:creationId xmlns:a16="http://schemas.microsoft.com/office/drawing/2014/main" id="{D8F34BE1-40DA-47BF-88D3-EE0D24E45CEF}"/>
+              </a:ext>
+            </a:extLst>
+          </p:cNvPr>
+          <p:cNvCxnSpPr>
+            <a:cxnSpLocks/>
+          </p:cNvCxnSpPr>
+          <p:nvPr/>
+        </p:nvCxnSpPr>
+        <p:spPr>
+          <a:xfrm>
+            <a:off x="3947002" y="1266330"/>
+            <a:ext cx="0" cy="2880000"/>
+          </a:xfrm>
+          <a:prstGeom prst="line">
+            <a:avLst/>
+          </a:prstGeom>
+          <a:noFill/>
+          <a:ln>
+            <a:solidFill>
+              <a:schemeClr val="bg1">
+                <a:lumMod val="75000"/>
+              </a:schemeClr>
+            </a:solidFill>
+          </a:ln>
+        </p:spPr>
+        <p:style>
+          <a:lnRef idx="2">
+            <a:schemeClr val="accent1">
+              <a:shade val="15000"/>
+            </a:schemeClr>
+          </a:lnRef>
+          <a:fillRef idx="1">
+            <a:schemeClr val="accent1"/>
+          </a:fillRef>
+          <a:effectRef idx="0">
+            <a:schemeClr val="accent1"/>
+          </a:effectRef>
+          <a:fontRef idx="minor">
+            <a:schemeClr val="lt1"/>
+          </a:fontRef>
+        </p:style>
+      </p:cxnSp>
+      <p:cxnSp>
+        <p:nvCxnSpPr>
+          <p:cNvPr id="10" name="Connecteur droit 9">
+            <a:extLst>
+              <a:ext uri="{FF2B5EF4-FFF2-40B4-BE49-F238E27FC236}">
+                <a16:creationId xmlns:a16="http://schemas.microsoft.com/office/drawing/2014/main" id="{0335BC66-3C8C-D2B5-33F3-E8869E16D9C1}"/>
+              </a:ext>
+            </a:extLst>
+          </p:cNvPr>
+          <p:cNvCxnSpPr>
+            <a:cxnSpLocks/>
+          </p:cNvCxnSpPr>
+          <p:nvPr/>
+        </p:nvCxnSpPr>
+        <p:spPr>
+          <a:xfrm>
+            <a:off x="4659932" y="1266330"/>
+            <a:ext cx="0" cy="2880000"/>
+          </a:xfrm>
+          <a:prstGeom prst="line">
+            <a:avLst/>
+          </a:prstGeom>
+          <a:noFill/>
+          <a:ln>
+            <a:solidFill>
+              <a:srgbClr val="C00000"/>
+            </a:solidFill>
+          </a:ln>
+        </p:spPr>
+        <p:style>
+          <a:lnRef idx="2">
+            <a:schemeClr val="accent1">
+              <a:shade val="15000"/>
+            </a:schemeClr>
+          </a:lnRef>
+          <a:fillRef idx="1">
+            <a:schemeClr val="accent1"/>
+          </a:fillRef>
+          <a:effectRef idx="0">
+            <a:schemeClr val="accent1"/>
+          </a:effectRef>
+          <a:fontRef idx="minor">
+            <a:schemeClr val="lt1"/>
+          </a:fontRef>
+        </p:style>
+      </p:cxnSp>
+      <p:cxnSp>
+        <p:nvCxnSpPr>
+          <p:cNvPr id="11" name="Connecteur droit 10">
+            <a:extLst>
+              <a:ext uri="{FF2B5EF4-FFF2-40B4-BE49-F238E27FC236}">
+                <a16:creationId xmlns:a16="http://schemas.microsoft.com/office/drawing/2014/main" id="{4E2C75A8-69F0-7557-1654-CEEED1E09CCF}"/>
+              </a:ext>
+            </a:extLst>
+          </p:cNvPr>
+          <p:cNvCxnSpPr>
+            <a:cxnSpLocks/>
+          </p:cNvCxnSpPr>
+          <p:nvPr/>
+        </p:nvCxnSpPr>
+        <p:spPr>
+          <a:xfrm>
+            <a:off x="5385562" y="1266330"/>
+            <a:ext cx="0" cy="2880000"/>
+          </a:xfrm>
+          <a:prstGeom prst="line">
+            <a:avLst/>
+          </a:prstGeom>
+          <a:noFill/>
+          <a:ln>
+            <a:solidFill>
+              <a:schemeClr val="bg1">
+                <a:lumMod val="75000"/>
+              </a:schemeClr>
+            </a:solidFill>
+          </a:ln>
+        </p:spPr>
+        <p:style>
+          <a:lnRef idx="2">
+            <a:schemeClr val="accent1">
+              <a:shade val="15000"/>
+            </a:schemeClr>
+          </a:lnRef>
+          <a:fillRef idx="1">
+            <a:schemeClr val="accent1"/>
+          </a:fillRef>
+          <a:effectRef idx="0">
+            <a:schemeClr val="accent1"/>
+          </a:effectRef>
+          <a:fontRef idx="minor">
+            <a:schemeClr val="lt1"/>
+          </a:fontRef>
+        </p:style>
+      </p:cxnSp>
+      <p:cxnSp>
+        <p:nvCxnSpPr>
+          <p:cNvPr id="12" name="Connecteur droit 11">
+            <a:extLst>
+              <a:ext uri="{FF2B5EF4-FFF2-40B4-BE49-F238E27FC236}">
+                <a16:creationId xmlns:a16="http://schemas.microsoft.com/office/drawing/2014/main" id="{0648D89D-EE82-D6BF-933A-B84DA56EB484}"/>
+              </a:ext>
+            </a:extLst>
+          </p:cNvPr>
+          <p:cNvCxnSpPr>
+            <a:cxnSpLocks/>
+          </p:cNvCxnSpPr>
+          <p:nvPr/>
+        </p:nvCxnSpPr>
+        <p:spPr>
+          <a:xfrm>
+            <a:off x="6104842" y="1266330"/>
+            <a:ext cx="0" cy="2880000"/>
+          </a:xfrm>
+          <a:prstGeom prst="line">
+            <a:avLst/>
+          </a:prstGeom>
+          <a:noFill/>
+          <a:ln>
+            <a:solidFill>
+              <a:schemeClr val="bg1">
+                <a:lumMod val="75000"/>
+              </a:schemeClr>
+            </a:solidFill>
+          </a:ln>
+        </p:spPr>
+        <p:style>
+          <a:lnRef idx="2">
+            <a:schemeClr val="accent1">
+              <a:shade val="15000"/>
+            </a:schemeClr>
+          </a:lnRef>
+          <a:fillRef idx="1">
+            <a:schemeClr val="accent1"/>
+          </a:fillRef>
+          <a:effectRef idx="0">
+            <a:schemeClr val="accent1"/>
+          </a:effectRef>
+          <a:fontRef idx="minor">
+            <a:schemeClr val="lt1"/>
+          </a:fontRef>
+        </p:style>
+      </p:cxnSp>
+      <p:cxnSp>
+        <p:nvCxnSpPr>
+          <p:cNvPr id="13" name="Connecteur droit 12">
+            <a:extLst>
+              <a:ext uri="{FF2B5EF4-FFF2-40B4-BE49-F238E27FC236}">
+                <a16:creationId xmlns:a16="http://schemas.microsoft.com/office/drawing/2014/main" id="{E221821D-0F22-31E4-DB17-DDF9D374798E}"/>
+              </a:ext>
+            </a:extLst>
+          </p:cNvPr>
+          <p:cNvCxnSpPr>
+            <a:cxnSpLocks/>
+          </p:cNvCxnSpPr>
+          <p:nvPr/>
+        </p:nvCxnSpPr>
+        <p:spPr>
+          <a:xfrm>
+            <a:off x="2495246" y="2713570"/>
+            <a:ext cx="4320000" cy="0"/>
+          </a:xfrm>
+          <a:prstGeom prst="line">
+            <a:avLst/>
+          </a:prstGeom>
+          <a:noFill/>
+          <a:ln>
+            <a:solidFill>
+              <a:srgbClr val="C00000"/>
+            </a:solidFill>
+          </a:ln>
+        </p:spPr>
+        <p:style>
+          <a:lnRef idx="2">
+            <a:schemeClr val="accent1">
+              <a:shade val="15000"/>
+            </a:schemeClr>
+          </a:lnRef>
+          <a:fillRef idx="1">
+            <a:schemeClr val="accent1"/>
+          </a:fillRef>
+          <a:effectRef idx="0">
+            <a:schemeClr val="accent1"/>
+          </a:effectRef>
+          <a:fontRef idx="minor">
+            <a:schemeClr val="lt1"/>
+          </a:fontRef>
+        </p:style>
+      </p:cxnSp>
+      <p:cxnSp>
+        <p:nvCxnSpPr>
+          <p:cNvPr id="16" name="Connecteur droit 15">
+            <a:extLst>
+              <a:ext uri="{FF2B5EF4-FFF2-40B4-BE49-F238E27FC236}">
+                <a16:creationId xmlns:a16="http://schemas.microsoft.com/office/drawing/2014/main" id="{F6EEA63B-F774-11C2-3AC0-93614EE8237C}"/>
+              </a:ext>
+            </a:extLst>
+          </p:cNvPr>
+          <p:cNvCxnSpPr>
+            <a:cxnSpLocks/>
+          </p:cNvCxnSpPr>
+          <p:nvPr/>
+        </p:nvCxnSpPr>
+        <p:spPr>
+          <a:xfrm>
+            <a:off x="2495246" y="3426620"/>
+            <a:ext cx="4320000" cy="0"/>
+          </a:xfrm>
+          <a:prstGeom prst="line">
+            <a:avLst/>
+          </a:prstGeom>
+          <a:noFill/>
+          <a:ln>
+            <a:solidFill>
+              <a:schemeClr val="bg1">
+                <a:lumMod val="75000"/>
+              </a:schemeClr>
+            </a:solidFill>
+          </a:ln>
+        </p:spPr>
+        <p:style>
+          <a:lnRef idx="2">
+            <a:schemeClr val="accent1">
+              <a:shade val="15000"/>
+            </a:schemeClr>
+          </a:lnRef>
+          <a:fillRef idx="1">
+            <a:schemeClr val="accent1"/>
+          </a:fillRef>
+          <a:effectRef idx="0">
+            <a:schemeClr val="accent1"/>
+          </a:effectRef>
+          <a:fontRef idx="minor">
+            <a:schemeClr val="lt1"/>
+          </a:fontRef>
+        </p:style>
+      </p:cxnSp>
+      <p:cxnSp>
+        <p:nvCxnSpPr>
+          <p:cNvPr id="17" name="Connecteur droit 16">
+            <a:extLst>
+              <a:ext uri="{FF2B5EF4-FFF2-40B4-BE49-F238E27FC236}">
+                <a16:creationId xmlns:a16="http://schemas.microsoft.com/office/drawing/2014/main" id="{B3D6AD21-9D9B-8F09-AE5B-EC41F269619C}"/>
+              </a:ext>
+            </a:extLst>
+          </p:cNvPr>
+          <p:cNvCxnSpPr>
+            <a:cxnSpLocks/>
+          </p:cNvCxnSpPr>
+          <p:nvPr/>
+        </p:nvCxnSpPr>
+        <p:spPr>
+          <a:xfrm>
+            <a:off x="2495246" y="1987820"/>
+            <a:ext cx="4320000" cy="0"/>
+          </a:xfrm>
+          <a:prstGeom prst="line">
+            <a:avLst/>
+          </a:prstGeom>
+          <a:noFill/>
+          <a:ln>
+            <a:solidFill>
+              <a:schemeClr val="bg1">
+                <a:lumMod val="75000"/>
+              </a:schemeClr>
+            </a:solidFill>
+          </a:ln>
+        </p:spPr>
+        <p:style>
+          <a:lnRef idx="2">
+            <a:schemeClr val="accent1">
+              <a:shade val="15000"/>
+            </a:schemeClr>
+          </a:lnRef>
+          <a:fillRef idx="1">
+            <a:schemeClr val="accent1"/>
+          </a:fillRef>
+          <a:effectRef idx="0">
+            <a:schemeClr val="accent1"/>
+          </a:effectRef>
+          <a:fontRef idx="minor">
+            <a:schemeClr val="lt1"/>
+          </a:fontRef>
+        </p:style>
+      </p:cxnSp>
+      <p:cxnSp>
+        <p:nvCxnSpPr>
+          <p:cNvPr id="18" name="Connecteur droit 17">
+            <a:extLst>
+              <a:ext uri="{FF2B5EF4-FFF2-40B4-BE49-F238E27FC236}">
+                <a16:creationId xmlns:a16="http://schemas.microsoft.com/office/drawing/2014/main" id="{0AD4D997-6CE8-BF75-2AEB-F3A4915EF7AD}"/>
+              </a:ext>
+            </a:extLst>
+          </p:cNvPr>
+          <p:cNvCxnSpPr>
+            <a:cxnSpLocks/>
+          </p:cNvCxnSpPr>
+          <p:nvPr/>
+        </p:nvCxnSpPr>
+        <p:spPr>
+          <a:xfrm>
+            <a:off x="2868082" y="1266330"/>
+            <a:ext cx="0" cy="2880000"/>
+          </a:xfrm>
+          <a:prstGeom prst="line">
+            <a:avLst/>
+          </a:prstGeom>
+          <a:noFill/>
+          <a:ln>
+            <a:solidFill>
+              <a:schemeClr val="bg1">
+                <a:lumMod val="75000"/>
+              </a:schemeClr>
+            </a:solidFill>
+          </a:ln>
+        </p:spPr>
+        <p:style>
+          <a:lnRef idx="2">
+            <a:schemeClr val="accent1">
+              <a:shade val="15000"/>
+            </a:schemeClr>
+          </a:lnRef>
+          <a:fillRef idx="1">
+            <a:schemeClr val="accent1"/>
+          </a:fillRef>
+          <a:effectRef idx="0">
+            <a:schemeClr val="accent1"/>
+          </a:effectRef>
+          <a:fontRef idx="minor">
+            <a:schemeClr val="lt1"/>
+          </a:fontRef>
+        </p:style>
+      </p:cxnSp>
+      <p:cxnSp>
+        <p:nvCxnSpPr>
+          <p:cNvPr id="20" name="Connecteur droit 19">
+            <a:extLst>
+              <a:ext uri="{FF2B5EF4-FFF2-40B4-BE49-F238E27FC236}">
+                <a16:creationId xmlns:a16="http://schemas.microsoft.com/office/drawing/2014/main" id="{4D08D499-E5BF-976B-8D46-764EE5A675C4}"/>
+              </a:ext>
+            </a:extLst>
+          </p:cNvPr>
+          <p:cNvCxnSpPr>
+            <a:cxnSpLocks/>
+          </p:cNvCxnSpPr>
+          <p:nvPr/>
+        </p:nvCxnSpPr>
+        <p:spPr>
+          <a:xfrm>
+            <a:off x="6464482" y="1266330"/>
+            <a:ext cx="0" cy="2880000"/>
+          </a:xfrm>
+          <a:prstGeom prst="line">
+            <a:avLst/>
+          </a:prstGeom>
+          <a:noFill/>
+          <a:ln>
+            <a:solidFill>
+              <a:schemeClr val="bg1">
+                <a:lumMod val="75000"/>
+              </a:schemeClr>
+            </a:solidFill>
+          </a:ln>
+        </p:spPr>
+        <p:style>
+          <a:lnRef idx="2">
+            <a:schemeClr val="accent1">
+              <a:shade val="15000"/>
+            </a:schemeClr>
+          </a:lnRef>
+          <a:fillRef idx="1">
+            <a:schemeClr val="accent1"/>
+          </a:fillRef>
+          <a:effectRef idx="0">
+            <a:schemeClr val="accent1"/>
+          </a:effectRef>
+          <a:fontRef idx="minor">
+            <a:schemeClr val="lt1"/>
+          </a:fontRef>
+        </p:style>
+      </p:cxnSp>
+      <p:cxnSp>
+        <p:nvCxnSpPr>
+          <p:cNvPr id="21" name="Connecteur droit 20">
+            <a:extLst>
+              <a:ext uri="{FF2B5EF4-FFF2-40B4-BE49-F238E27FC236}">
+                <a16:creationId xmlns:a16="http://schemas.microsoft.com/office/drawing/2014/main" id="{EE57A118-D256-E50E-4E3D-259F77422AD3}"/>
+              </a:ext>
+            </a:extLst>
+          </p:cNvPr>
+          <p:cNvCxnSpPr>
+            <a:cxnSpLocks/>
+          </p:cNvCxnSpPr>
+          <p:nvPr/>
+        </p:nvCxnSpPr>
+        <p:spPr>
+          <a:xfrm>
+            <a:off x="3587362" y="1266330"/>
+            <a:ext cx="0" cy="2880000"/>
+          </a:xfrm>
+          <a:prstGeom prst="line">
+            <a:avLst/>
+          </a:prstGeom>
+          <a:noFill/>
+          <a:ln>
+            <a:solidFill>
+              <a:schemeClr val="bg1">
+                <a:lumMod val="75000"/>
+              </a:schemeClr>
+            </a:solidFill>
+          </a:ln>
+        </p:spPr>
+        <p:style>
+          <a:lnRef idx="2">
+            <a:schemeClr val="accent1">
+              <a:shade val="15000"/>
+            </a:schemeClr>
+          </a:lnRef>
+          <a:fillRef idx="1">
+            <a:schemeClr val="accent1"/>
+          </a:fillRef>
+          <a:effectRef idx="0">
+            <a:schemeClr val="accent1"/>
+          </a:effectRef>
+          <a:fontRef idx="minor">
+            <a:schemeClr val="lt1"/>
+          </a:fontRef>
+        </p:style>
+      </p:cxnSp>
+      <p:cxnSp>
+        <p:nvCxnSpPr>
+          <p:cNvPr id="22" name="Connecteur droit 21">
+            <a:extLst>
+              <a:ext uri="{FF2B5EF4-FFF2-40B4-BE49-F238E27FC236}">
+                <a16:creationId xmlns:a16="http://schemas.microsoft.com/office/drawing/2014/main" id="{5A41B026-62A2-1E4B-DEAA-912D3DE28499}"/>
+              </a:ext>
+            </a:extLst>
+          </p:cNvPr>
+          <p:cNvCxnSpPr>
+            <a:cxnSpLocks/>
+          </p:cNvCxnSpPr>
+          <p:nvPr/>
+        </p:nvCxnSpPr>
+        <p:spPr>
+          <a:xfrm>
+            <a:off x="4306642" y="1266330"/>
+            <a:ext cx="0" cy="2880000"/>
+          </a:xfrm>
+          <a:prstGeom prst="line">
+            <a:avLst/>
+          </a:prstGeom>
+          <a:noFill/>
+          <a:ln>
+            <a:solidFill>
+              <a:schemeClr val="bg1">
+                <a:lumMod val="75000"/>
+              </a:schemeClr>
+            </a:solidFill>
+          </a:ln>
+        </p:spPr>
+        <p:style>
+          <a:lnRef idx="2">
+            <a:schemeClr val="accent1">
+              <a:shade val="15000"/>
+            </a:schemeClr>
+          </a:lnRef>
+          <a:fillRef idx="1">
+            <a:schemeClr val="accent1"/>
+          </a:fillRef>
+          <a:effectRef idx="0">
+            <a:schemeClr val="accent1"/>
+          </a:effectRef>
+          <a:fontRef idx="minor">
+            <a:schemeClr val="lt1"/>
+          </a:fontRef>
+        </p:style>
+      </p:cxnSp>
+      <p:cxnSp>
+        <p:nvCxnSpPr>
+          <p:cNvPr id="23" name="Connecteur droit 22">
+            <a:extLst>
+              <a:ext uri="{FF2B5EF4-FFF2-40B4-BE49-F238E27FC236}">
+                <a16:creationId xmlns:a16="http://schemas.microsoft.com/office/drawing/2014/main" id="{FB9B5537-0D59-1EF3-2D48-A7AA7EBB7507}"/>
+              </a:ext>
+            </a:extLst>
+          </p:cNvPr>
+          <p:cNvCxnSpPr>
+            <a:cxnSpLocks/>
+          </p:cNvCxnSpPr>
+          <p:nvPr/>
+        </p:nvCxnSpPr>
+        <p:spPr>
+          <a:xfrm>
+            <a:off x="5025922" y="1266330"/>
+            <a:ext cx="0" cy="2880000"/>
+          </a:xfrm>
+          <a:prstGeom prst="line">
+            <a:avLst/>
+          </a:prstGeom>
+          <a:noFill/>
+          <a:ln>
+            <a:solidFill>
+              <a:schemeClr val="bg1">
+                <a:lumMod val="75000"/>
+              </a:schemeClr>
+            </a:solidFill>
+          </a:ln>
+        </p:spPr>
+        <p:style>
+          <a:lnRef idx="2">
+            <a:schemeClr val="accent1">
+              <a:shade val="15000"/>
+            </a:schemeClr>
+          </a:lnRef>
+          <a:fillRef idx="1">
+            <a:schemeClr val="accent1"/>
+          </a:fillRef>
+          <a:effectRef idx="0">
+            <a:schemeClr val="accent1"/>
+          </a:effectRef>
+          <a:fontRef idx="minor">
+            <a:schemeClr val="lt1"/>
+          </a:fontRef>
+        </p:style>
+      </p:cxnSp>
+      <p:cxnSp>
+        <p:nvCxnSpPr>
+          <p:cNvPr id="24" name="Connecteur droit 23">
+            <a:extLst>
+              <a:ext uri="{FF2B5EF4-FFF2-40B4-BE49-F238E27FC236}">
+                <a16:creationId xmlns:a16="http://schemas.microsoft.com/office/drawing/2014/main" id="{D4990C0E-C34C-3158-E73B-7912F415DBCD}"/>
+              </a:ext>
+            </a:extLst>
+          </p:cNvPr>
+          <p:cNvCxnSpPr>
+            <a:cxnSpLocks/>
+          </p:cNvCxnSpPr>
+          <p:nvPr/>
+        </p:nvCxnSpPr>
+        <p:spPr>
+          <a:xfrm>
+            <a:off x="5745202" y="1266330"/>
+            <a:ext cx="0" cy="2880000"/>
+          </a:xfrm>
+          <a:prstGeom prst="line">
+            <a:avLst/>
+          </a:prstGeom>
+          <a:noFill/>
+          <a:ln>
+            <a:solidFill>
+              <a:schemeClr val="bg1">
+                <a:lumMod val="75000"/>
+              </a:schemeClr>
+            </a:solidFill>
+          </a:ln>
+        </p:spPr>
+        <p:style>
+          <a:lnRef idx="2">
+            <a:schemeClr val="accent1">
+              <a:shade val="15000"/>
+            </a:schemeClr>
+          </a:lnRef>
+          <a:fillRef idx="1">
+            <a:schemeClr val="accent1"/>
+          </a:fillRef>
+          <a:effectRef idx="0">
+            <a:schemeClr val="accent1"/>
+          </a:effectRef>
+          <a:fontRef idx="minor">
+            <a:schemeClr val="lt1"/>
+          </a:fontRef>
+        </p:style>
+      </p:cxnSp>
+      <p:cxnSp>
+        <p:nvCxnSpPr>
+          <p:cNvPr id="25" name="Connecteur droit 24">
+            <a:extLst>
+              <a:ext uri="{FF2B5EF4-FFF2-40B4-BE49-F238E27FC236}">
+                <a16:creationId xmlns:a16="http://schemas.microsoft.com/office/drawing/2014/main" id="{D9034502-8061-C38B-5741-6ACCC8DB7880}"/>
+              </a:ext>
+            </a:extLst>
+          </p:cNvPr>
+          <p:cNvCxnSpPr>
+            <a:cxnSpLocks/>
+          </p:cNvCxnSpPr>
+          <p:nvPr/>
+        </p:nvCxnSpPr>
+        <p:spPr>
+          <a:xfrm>
+            <a:off x="2495246" y="1628120"/>
+            <a:ext cx="4320000" cy="0"/>
+          </a:xfrm>
+          <a:prstGeom prst="line">
+            <a:avLst/>
+          </a:prstGeom>
+          <a:noFill/>
+          <a:ln>
+            <a:solidFill>
+              <a:schemeClr val="bg1">
+                <a:lumMod val="75000"/>
+              </a:schemeClr>
+            </a:solidFill>
+          </a:ln>
+        </p:spPr>
+        <p:style>
+          <a:lnRef idx="2">
+            <a:schemeClr val="accent1">
+              <a:shade val="15000"/>
+            </a:schemeClr>
+          </a:lnRef>
+          <a:fillRef idx="1">
+            <a:schemeClr val="accent1"/>
+          </a:fillRef>
+          <a:effectRef idx="0">
+            <a:schemeClr val="accent1"/>
+          </a:effectRef>
+          <a:fontRef idx="minor">
+            <a:schemeClr val="lt1"/>
+          </a:fontRef>
+        </p:style>
+      </p:cxnSp>
+      <p:cxnSp>
+        <p:nvCxnSpPr>
+          <p:cNvPr id="26" name="Connecteur droit 25">
+            <a:extLst>
+              <a:ext uri="{FF2B5EF4-FFF2-40B4-BE49-F238E27FC236}">
+                <a16:creationId xmlns:a16="http://schemas.microsoft.com/office/drawing/2014/main" id="{EEAE400B-98BF-D7C1-7452-D7D861C0668E}"/>
+              </a:ext>
+            </a:extLst>
+          </p:cNvPr>
+          <p:cNvCxnSpPr>
+            <a:cxnSpLocks/>
+          </p:cNvCxnSpPr>
+          <p:nvPr/>
+        </p:nvCxnSpPr>
+        <p:spPr>
+          <a:xfrm>
+            <a:off x="2495246" y="2347520"/>
+            <a:ext cx="4320000" cy="0"/>
+          </a:xfrm>
+          <a:prstGeom prst="line">
+            <a:avLst/>
+          </a:prstGeom>
+          <a:noFill/>
+          <a:ln>
+            <a:solidFill>
+              <a:schemeClr val="bg1">
+                <a:lumMod val="75000"/>
+              </a:schemeClr>
+            </a:solidFill>
+          </a:ln>
+        </p:spPr>
+        <p:style>
+          <a:lnRef idx="2">
+            <a:schemeClr val="accent1">
+              <a:shade val="15000"/>
+            </a:schemeClr>
+          </a:lnRef>
+          <a:fillRef idx="1">
+            <a:schemeClr val="accent1"/>
+          </a:fillRef>
+          <a:effectRef idx="0">
+            <a:schemeClr val="accent1"/>
+          </a:effectRef>
+          <a:fontRef idx="minor">
+            <a:schemeClr val="lt1"/>
+          </a:fontRef>
+        </p:style>
+      </p:cxnSp>
+      <p:cxnSp>
+        <p:nvCxnSpPr>
+          <p:cNvPr id="27" name="Connecteur droit 26">
+            <a:extLst>
+              <a:ext uri="{FF2B5EF4-FFF2-40B4-BE49-F238E27FC236}">
+                <a16:creationId xmlns:a16="http://schemas.microsoft.com/office/drawing/2014/main" id="{81C517A9-5A90-1D24-8388-9BF7DBB26DEF}"/>
+              </a:ext>
+            </a:extLst>
+          </p:cNvPr>
+          <p:cNvCxnSpPr>
+            <a:cxnSpLocks/>
+          </p:cNvCxnSpPr>
+          <p:nvPr/>
+        </p:nvCxnSpPr>
+        <p:spPr>
+          <a:xfrm>
+            <a:off x="2495246" y="3066920"/>
+            <a:ext cx="4320000" cy="0"/>
+          </a:xfrm>
+          <a:prstGeom prst="line">
+            <a:avLst/>
+          </a:prstGeom>
+          <a:noFill/>
+          <a:ln>
+            <a:solidFill>
+              <a:schemeClr val="bg1">
+                <a:lumMod val="75000"/>
+              </a:schemeClr>
+            </a:solidFill>
+          </a:ln>
+        </p:spPr>
+        <p:style>
+          <a:lnRef idx="2">
+            <a:schemeClr val="accent1">
+              <a:shade val="15000"/>
+            </a:schemeClr>
+          </a:lnRef>
+          <a:fillRef idx="1">
+            <a:schemeClr val="accent1"/>
+          </a:fillRef>
+          <a:effectRef idx="0">
+            <a:schemeClr val="accent1"/>
+          </a:effectRef>
+          <a:fontRef idx="minor">
+            <a:schemeClr val="lt1"/>
+          </a:fontRef>
+        </p:style>
+      </p:cxnSp>
+      <p:cxnSp>
+        <p:nvCxnSpPr>
+          <p:cNvPr id="28" name="Connecteur droit 27">
+            <a:extLst>
+              <a:ext uri="{FF2B5EF4-FFF2-40B4-BE49-F238E27FC236}">
+                <a16:creationId xmlns:a16="http://schemas.microsoft.com/office/drawing/2014/main" id="{DB271C1B-C9BB-A1C9-A142-7F9642E65C4A}"/>
+              </a:ext>
+            </a:extLst>
+          </p:cNvPr>
+          <p:cNvCxnSpPr>
+            <a:cxnSpLocks/>
+          </p:cNvCxnSpPr>
+          <p:nvPr/>
+        </p:nvCxnSpPr>
+        <p:spPr>
+          <a:xfrm>
+            <a:off x="2495246" y="3786320"/>
+            <a:ext cx="4320000" cy="0"/>
+          </a:xfrm>
+          <a:prstGeom prst="line">
+            <a:avLst/>
+          </a:prstGeom>
+          <a:noFill/>
+          <a:ln>
+            <a:solidFill>
+              <a:schemeClr val="bg1">
+                <a:lumMod val="75000"/>
+              </a:schemeClr>
+            </a:solidFill>
+          </a:ln>
+        </p:spPr>
+        <p:style>
+          <a:lnRef idx="2">
+            <a:schemeClr val="accent1">
+              <a:shade val="15000"/>
+            </a:schemeClr>
+          </a:lnRef>
+          <a:fillRef idx="1">
+            <a:schemeClr val="accent1"/>
+          </a:fillRef>
+          <a:effectRef idx="0">
+            <a:schemeClr val="accent1"/>
+          </a:effectRef>
+          <a:fontRef idx="minor">
+            <a:schemeClr val="lt1"/>
+          </a:fontRef>
+        </p:style>
+      </p:cxnSp>
+      <p:cxnSp>
+        <p:nvCxnSpPr>
+          <p:cNvPr id="29" name="Connecteur droit 28">
+            <a:extLst>
+              <a:ext uri="{FF2B5EF4-FFF2-40B4-BE49-F238E27FC236}">
+                <a16:creationId xmlns:a16="http://schemas.microsoft.com/office/drawing/2014/main" id="{AB2DC89F-A1EB-D5E0-5C92-E62CABA1471E}"/>
+              </a:ext>
+            </a:extLst>
+          </p:cNvPr>
+          <p:cNvCxnSpPr>
+            <a:cxnSpLocks/>
+          </p:cNvCxnSpPr>
+          <p:nvPr/>
+        </p:nvCxnSpPr>
+        <p:spPr>
+          <a:xfrm>
+            <a:off x="2495246" y="1448270"/>
+            <a:ext cx="4320000" cy="0"/>
+          </a:xfrm>
+          <a:prstGeom prst="line">
+            <a:avLst/>
+          </a:prstGeom>
+          <a:noFill/>
+          <a:ln>
+            <a:solidFill>
+              <a:schemeClr val="bg1">
+                <a:lumMod val="75000"/>
+              </a:schemeClr>
+            </a:solidFill>
+          </a:ln>
+        </p:spPr>
+        <p:style>
+          <a:lnRef idx="2">
+            <a:schemeClr val="accent1">
+              <a:shade val="15000"/>
+            </a:schemeClr>
+          </a:lnRef>
+          <a:fillRef idx="1">
+            <a:schemeClr val="accent1"/>
+          </a:fillRef>
+          <a:effectRef idx="0">
+            <a:schemeClr val="accent1"/>
+          </a:effectRef>
+          <a:fontRef idx="minor">
+            <a:schemeClr val="lt1"/>
+          </a:fontRef>
+        </p:style>
+      </p:cxnSp>
+      <p:cxnSp>
+        <p:nvCxnSpPr>
+          <p:cNvPr id="30" name="Connecteur droit 29">
+            <a:extLst>
+              <a:ext uri="{FF2B5EF4-FFF2-40B4-BE49-F238E27FC236}">
+                <a16:creationId xmlns:a16="http://schemas.microsoft.com/office/drawing/2014/main" id="{45DEA82E-4181-DD24-2E22-84019AA89E09}"/>
+              </a:ext>
+            </a:extLst>
+          </p:cNvPr>
+          <p:cNvCxnSpPr>
+            <a:cxnSpLocks/>
+          </p:cNvCxnSpPr>
+          <p:nvPr/>
+        </p:nvCxnSpPr>
+        <p:spPr>
+          <a:xfrm>
+            <a:off x="2495246" y="1807970"/>
+            <a:ext cx="4320000" cy="0"/>
+          </a:xfrm>
+          <a:prstGeom prst="line">
+            <a:avLst/>
+          </a:prstGeom>
+          <a:noFill/>
+          <a:ln>
+            <a:solidFill>
+              <a:schemeClr val="bg1">
+                <a:lumMod val="75000"/>
+              </a:schemeClr>
+            </a:solidFill>
+          </a:ln>
+        </p:spPr>
+        <p:style>
+          <a:lnRef idx="2">
+            <a:schemeClr val="accent1">
+              <a:shade val="15000"/>
+            </a:schemeClr>
+          </a:lnRef>
+          <a:fillRef idx="1">
+            <a:schemeClr val="accent1"/>
+          </a:fillRef>
+          <a:effectRef idx="0">
+            <a:schemeClr val="accent1"/>
+          </a:effectRef>
+          <a:fontRef idx="minor">
+            <a:schemeClr val="lt1"/>
+          </a:fontRef>
+        </p:style>
+      </p:cxnSp>
+      <p:cxnSp>
+        <p:nvCxnSpPr>
+          <p:cNvPr id="31" name="Connecteur droit 30">
+            <a:extLst>
+              <a:ext uri="{FF2B5EF4-FFF2-40B4-BE49-F238E27FC236}">
+                <a16:creationId xmlns:a16="http://schemas.microsoft.com/office/drawing/2014/main" id="{4F9EFA4D-CCA1-1591-E339-DE5463E1BA3C}"/>
+              </a:ext>
+            </a:extLst>
+          </p:cNvPr>
+          <p:cNvCxnSpPr>
+            <a:cxnSpLocks/>
+          </p:cNvCxnSpPr>
+          <p:nvPr/>
+        </p:nvCxnSpPr>
+        <p:spPr>
+          <a:xfrm>
+            <a:off x="2495246" y="2167670"/>
+            <a:ext cx="4320000" cy="0"/>
+          </a:xfrm>
+          <a:prstGeom prst="line">
+            <a:avLst/>
+          </a:prstGeom>
+          <a:noFill/>
+          <a:ln>
+            <a:solidFill>
+              <a:schemeClr val="bg1">
+                <a:lumMod val="75000"/>
+              </a:schemeClr>
+            </a:solidFill>
+          </a:ln>
+        </p:spPr>
+        <p:style>
+          <a:lnRef idx="2">
+            <a:schemeClr val="accent1">
+              <a:shade val="15000"/>
+            </a:schemeClr>
+          </a:lnRef>
+          <a:fillRef idx="1">
+            <a:schemeClr val="accent1"/>
+          </a:fillRef>
+          <a:effectRef idx="0">
+            <a:schemeClr val="accent1"/>
+          </a:effectRef>
+          <a:fontRef idx="minor">
+            <a:schemeClr val="lt1"/>
+          </a:fontRef>
+        </p:style>
+      </p:cxnSp>
+      <p:cxnSp>
+        <p:nvCxnSpPr>
+          <p:cNvPr id="32" name="Connecteur droit 31">
+            <a:extLst>
+              <a:ext uri="{FF2B5EF4-FFF2-40B4-BE49-F238E27FC236}">
+                <a16:creationId xmlns:a16="http://schemas.microsoft.com/office/drawing/2014/main" id="{63072272-BE1F-5741-E577-1CAF81A58B0D}"/>
+              </a:ext>
+            </a:extLst>
+          </p:cNvPr>
+          <p:cNvCxnSpPr>
+            <a:cxnSpLocks/>
+          </p:cNvCxnSpPr>
+          <p:nvPr/>
+        </p:nvCxnSpPr>
+        <p:spPr>
+          <a:xfrm>
+            <a:off x="2495246" y="2527370"/>
+            <a:ext cx="4320000" cy="0"/>
+          </a:xfrm>
+          <a:prstGeom prst="line">
+            <a:avLst/>
+          </a:prstGeom>
+          <a:noFill/>
+          <a:ln>
+            <a:solidFill>
+              <a:schemeClr val="bg1">
+                <a:lumMod val="75000"/>
+              </a:schemeClr>
+            </a:solidFill>
+          </a:ln>
+        </p:spPr>
+        <p:style>
+          <a:lnRef idx="2">
+            <a:schemeClr val="accent1">
+              <a:shade val="15000"/>
+            </a:schemeClr>
+          </a:lnRef>
+          <a:fillRef idx="1">
+            <a:schemeClr val="accent1"/>
+          </a:fillRef>
+          <a:effectRef idx="0">
+            <a:schemeClr val="accent1"/>
+          </a:effectRef>
+          <a:fontRef idx="minor">
+            <a:schemeClr val="lt1"/>
+          </a:fontRef>
+        </p:style>
+      </p:cxnSp>
+      <p:cxnSp>
+        <p:nvCxnSpPr>
+          <p:cNvPr id="33" name="Connecteur droit 32">
+            <a:extLst>
+              <a:ext uri="{FF2B5EF4-FFF2-40B4-BE49-F238E27FC236}">
+                <a16:creationId xmlns:a16="http://schemas.microsoft.com/office/drawing/2014/main" id="{49FDB5B6-4290-9A76-8132-14438D4B1C1B}"/>
+              </a:ext>
+            </a:extLst>
+          </p:cNvPr>
+          <p:cNvCxnSpPr>
+            <a:cxnSpLocks/>
+          </p:cNvCxnSpPr>
+          <p:nvPr/>
+        </p:nvCxnSpPr>
+        <p:spPr>
+          <a:xfrm>
+            <a:off x="2495246" y="2887070"/>
+            <a:ext cx="4320000" cy="0"/>
+          </a:xfrm>
+          <a:prstGeom prst="line">
+            <a:avLst/>
+          </a:prstGeom>
+          <a:noFill/>
+          <a:ln>
+            <a:solidFill>
+              <a:schemeClr val="bg1">
+                <a:lumMod val="75000"/>
+              </a:schemeClr>
+            </a:solidFill>
+          </a:ln>
+        </p:spPr>
+        <p:style>
+          <a:lnRef idx="2">
+            <a:schemeClr val="accent1">
+              <a:shade val="15000"/>
+            </a:schemeClr>
+          </a:lnRef>
+          <a:fillRef idx="1">
+            <a:schemeClr val="accent1"/>
+          </a:fillRef>
+          <a:effectRef idx="0">
+            <a:schemeClr val="accent1"/>
+          </a:effectRef>
+          <a:fontRef idx="minor">
+            <a:schemeClr val="lt1"/>
+          </a:fontRef>
+        </p:style>
+      </p:cxnSp>
+      <p:cxnSp>
+        <p:nvCxnSpPr>
+          <p:cNvPr id="34" name="Connecteur droit 33">
+            <a:extLst>
+              <a:ext uri="{FF2B5EF4-FFF2-40B4-BE49-F238E27FC236}">
+                <a16:creationId xmlns:a16="http://schemas.microsoft.com/office/drawing/2014/main" id="{552D87AA-713F-6980-3E90-79A8D8372208}"/>
+              </a:ext>
+            </a:extLst>
+          </p:cNvPr>
+          <p:cNvCxnSpPr>
+            <a:cxnSpLocks/>
+          </p:cNvCxnSpPr>
+          <p:nvPr/>
+        </p:nvCxnSpPr>
+        <p:spPr>
+          <a:xfrm>
+            <a:off x="2495246" y="3246770"/>
+            <a:ext cx="4320000" cy="0"/>
+          </a:xfrm>
+          <a:prstGeom prst="line">
+            <a:avLst/>
+          </a:prstGeom>
+          <a:noFill/>
+          <a:ln>
+            <a:solidFill>
+              <a:schemeClr val="bg1">
+                <a:lumMod val="75000"/>
+              </a:schemeClr>
+            </a:solidFill>
+          </a:ln>
+        </p:spPr>
+        <p:style>
+          <a:lnRef idx="2">
+            <a:schemeClr val="accent1">
+              <a:shade val="15000"/>
+            </a:schemeClr>
+          </a:lnRef>
+          <a:fillRef idx="1">
+            <a:schemeClr val="accent1"/>
+          </a:fillRef>
+          <a:effectRef idx="0">
+            <a:schemeClr val="accent1"/>
+          </a:effectRef>
+          <a:fontRef idx="minor">
+            <a:schemeClr val="lt1"/>
+          </a:fontRef>
+        </p:style>
+      </p:cxnSp>
+      <p:cxnSp>
+        <p:nvCxnSpPr>
+          <p:cNvPr id="35" name="Connecteur droit 34">
+            <a:extLst>
+              <a:ext uri="{FF2B5EF4-FFF2-40B4-BE49-F238E27FC236}">
+                <a16:creationId xmlns:a16="http://schemas.microsoft.com/office/drawing/2014/main" id="{4E6CDE91-6E33-9C5B-0556-8B1159EB3093}"/>
+              </a:ext>
+            </a:extLst>
+          </p:cNvPr>
+          <p:cNvCxnSpPr>
+            <a:cxnSpLocks/>
+          </p:cNvCxnSpPr>
+          <p:nvPr/>
+        </p:nvCxnSpPr>
+        <p:spPr>
+          <a:xfrm>
+            <a:off x="2495246" y="3606470"/>
+            <a:ext cx="4320000" cy="0"/>
+          </a:xfrm>
+          <a:prstGeom prst="line">
+            <a:avLst/>
+          </a:prstGeom>
+          <a:noFill/>
+          <a:ln>
+            <a:solidFill>
+              <a:schemeClr val="bg1">
+                <a:lumMod val="75000"/>
+              </a:schemeClr>
+            </a:solidFill>
+          </a:ln>
+        </p:spPr>
+        <p:style>
+          <a:lnRef idx="2">
+            <a:schemeClr val="accent1">
+              <a:shade val="15000"/>
+            </a:schemeClr>
+          </a:lnRef>
+          <a:fillRef idx="1">
+            <a:schemeClr val="accent1"/>
+          </a:fillRef>
+          <a:effectRef idx="0">
+            <a:schemeClr val="accent1"/>
+          </a:effectRef>
+          <a:fontRef idx="minor">
+            <a:schemeClr val="lt1"/>
+          </a:fontRef>
+        </p:style>
+      </p:cxnSp>
+      <p:cxnSp>
+        <p:nvCxnSpPr>
+          <p:cNvPr id="36" name="Connecteur droit 35">
+            <a:extLst>
+              <a:ext uri="{FF2B5EF4-FFF2-40B4-BE49-F238E27FC236}">
+                <a16:creationId xmlns:a16="http://schemas.microsoft.com/office/drawing/2014/main" id="{CF3CBC32-D863-2B47-4798-01759EC39124}"/>
+              </a:ext>
+            </a:extLst>
+          </p:cNvPr>
+          <p:cNvCxnSpPr>
+            <a:cxnSpLocks/>
+          </p:cNvCxnSpPr>
+          <p:nvPr/>
+        </p:nvCxnSpPr>
+        <p:spPr>
+          <a:xfrm>
+            <a:off x="2495246" y="3966174"/>
+            <a:ext cx="4320000" cy="0"/>
+          </a:xfrm>
+          <a:prstGeom prst="line">
+            <a:avLst/>
+          </a:prstGeom>
+          <a:noFill/>
+          <a:ln>
+            <a:solidFill>
+              <a:schemeClr val="bg1">
+                <a:lumMod val="75000"/>
+              </a:schemeClr>
+            </a:solidFill>
+          </a:ln>
+        </p:spPr>
+        <p:style>
+          <a:lnRef idx="2">
+            <a:schemeClr val="accent1">
+              <a:shade val="15000"/>
+            </a:schemeClr>
+          </a:lnRef>
+          <a:fillRef idx="1">
+            <a:schemeClr val="accent1"/>
+          </a:fillRef>
+          <a:effectRef idx="0">
+            <a:schemeClr val="accent1"/>
+          </a:effectRef>
+          <a:fontRef idx="minor">
+            <a:schemeClr val="lt1"/>
+          </a:fontRef>
+        </p:style>
+      </p:cxnSp>
+      <p:cxnSp>
+        <p:nvCxnSpPr>
+          <p:cNvPr id="37" name="Connecteur droit 36">
+            <a:extLst>
+              <a:ext uri="{FF2B5EF4-FFF2-40B4-BE49-F238E27FC236}">
+                <a16:creationId xmlns:a16="http://schemas.microsoft.com/office/drawing/2014/main" id="{F2E215C0-CD86-0E05-0109-ED0AD91547E8}"/>
+              </a:ext>
+            </a:extLst>
+          </p:cNvPr>
+          <p:cNvCxnSpPr>
+            <a:cxnSpLocks/>
+          </p:cNvCxnSpPr>
+          <p:nvPr/>
+        </p:nvCxnSpPr>
+        <p:spPr>
+          <a:xfrm>
+            <a:off x="2688262" y="1266330"/>
+            <a:ext cx="0" cy="2880000"/>
+          </a:xfrm>
+          <a:prstGeom prst="line">
+            <a:avLst/>
+          </a:prstGeom>
+          <a:noFill/>
+          <a:ln>
+            <a:solidFill>
+              <a:schemeClr val="bg1">
+                <a:lumMod val="75000"/>
+              </a:schemeClr>
+            </a:solidFill>
+          </a:ln>
+        </p:spPr>
+        <p:style>
+          <a:lnRef idx="2">
+            <a:schemeClr val="accent1">
+              <a:shade val="15000"/>
+            </a:schemeClr>
+          </a:lnRef>
+          <a:fillRef idx="1">
+            <a:schemeClr val="accent1"/>
+          </a:fillRef>
+          <a:effectRef idx="0">
+            <a:schemeClr val="accent1"/>
+          </a:effectRef>
+          <a:fontRef idx="minor">
+            <a:schemeClr val="lt1"/>
+          </a:fontRef>
+        </p:style>
+      </p:cxnSp>
+      <p:cxnSp>
+        <p:nvCxnSpPr>
+          <p:cNvPr id="38" name="Connecteur droit 37">
+            <a:extLst>
+              <a:ext uri="{FF2B5EF4-FFF2-40B4-BE49-F238E27FC236}">
+                <a16:creationId xmlns:a16="http://schemas.microsoft.com/office/drawing/2014/main" id="{7C0F1483-FC06-B1CB-778E-8D8704CFAC84}"/>
+              </a:ext>
+            </a:extLst>
+          </p:cNvPr>
+          <p:cNvCxnSpPr>
+            <a:cxnSpLocks/>
+          </p:cNvCxnSpPr>
+          <p:nvPr/>
+        </p:nvCxnSpPr>
+        <p:spPr>
+          <a:xfrm>
+            <a:off x="3047902" y="1266330"/>
+            <a:ext cx="0" cy="2880000"/>
+          </a:xfrm>
+          <a:prstGeom prst="line">
+            <a:avLst/>
+          </a:prstGeom>
+          <a:noFill/>
+          <a:ln>
+            <a:solidFill>
+              <a:schemeClr val="bg1">
+                <a:lumMod val="75000"/>
+              </a:schemeClr>
+            </a:solidFill>
+          </a:ln>
+        </p:spPr>
+        <p:style>
+          <a:lnRef idx="2">
+            <a:schemeClr val="accent1">
+              <a:shade val="15000"/>
+            </a:schemeClr>
+          </a:lnRef>
+          <a:fillRef idx="1">
+            <a:schemeClr val="accent1"/>
+          </a:fillRef>
+          <a:effectRef idx="0">
+            <a:schemeClr val="accent1"/>
+          </a:effectRef>
+          <a:fontRef idx="minor">
+            <a:schemeClr val="lt1"/>
+          </a:fontRef>
+        </p:style>
+      </p:cxnSp>
+      <p:cxnSp>
+        <p:nvCxnSpPr>
+          <p:cNvPr id="39" name="Connecteur droit 38">
+            <a:extLst>
+              <a:ext uri="{FF2B5EF4-FFF2-40B4-BE49-F238E27FC236}">
+                <a16:creationId xmlns:a16="http://schemas.microsoft.com/office/drawing/2014/main" id="{F46BF6F5-1326-9A49-EDB1-BC0F8CB3C9BD}"/>
+              </a:ext>
+            </a:extLst>
+          </p:cNvPr>
+          <p:cNvCxnSpPr>
+            <a:cxnSpLocks/>
+          </p:cNvCxnSpPr>
+          <p:nvPr/>
+        </p:nvCxnSpPr>
+        <p:spPr>
+          <a:xfrm>
+            <a:off x="3407542" y="1266330"/>
+            <a:ext cx="0" cy="2880000"/>
+          </a:xfrm>
+          <a:prstGeom prst="line">
+            <a:avLst/>
+          </a:prstGeom>
+          <a:noFill/>
+          <a:ln>
+            <a:solidFill>
+              <a:schemeClr val="bg1">
+                <a:lumMod val="75000"/>
+              </a:schemeClr>
+            </a:solidFill>
+          </a:ln>
+        </p:spPr>
+        <p:style>
+          <a:lnRef idx="2">
+            <a:schemeClr val="accent1">
+              <a:shade val="15000"/>
+            </a:schemeClr>
+          </a:lnRef>
+          <a:fillRef idx="1">
+            <a:schemeClr val="accent1"/>
+          </a:fillRef>
+          <a:effectRef idx="0">
+            <a:schemeClr val="accent1"/>
+          </a:effectRef>
+          <a:fontRef idx="minor">
+            <a:schemeClr val="lt1"/>
+          </a:fontRef>
+        </p:style>
+      </p:cxnSp>
+      <p:cxnSp>
+        <p:nvCxnSpPr>
+          <p:cNvPr id="40" name="Connecteur droit 39">
+            <a:extLst>
+              <a:ext uri="{FF2B5EF4-FFF2-40B4-BE49-F238E27FC236}">
+                <a16:creationId xmlns:a16="http://schemas.microsoft.com/office/drawing/2014/main" id="{699ECDF6-0BCB-4589-D1EA-BC4517001F7B}"/>
+              </a:ext>
+            </a:extLst>
+          </p:cNvPr>
+          <p:cNvCxnSpPr>
+            <a:cxnSpLocks/>
+          </p:cNvCxnSpPr>
+          <p:nvPr/>
+        </p:nvCxnSpPr>
+        <p:spPr>
+          <a:xfrm>
+            <a:off x="3767182" y="1266330"/>
+            <a:ext cx="0" cy="2880000"/>
+          </a:xfrm>
+          <a:prstGeom prst="line">
+            <a:avLst/>
+          </a:prstGeom>
+          <a:noFill/>
+          <a:ln>
+            <a:solidFill>
+              <a:schemeClr val="bg1">
+                <a:lumMod val="75000"/>
+              </a:schemeClr>
+            </a:solidFill>
+          </a:ln>
+        </p:spPr>
+        <p:style>
+          <a:lnRef idx="2">
+            <a:schemeClr val="accent1">
+              <a:shade val="15000"/>
+            </a:schemeClr>
+          </a:lnRef>
+          <a:fillRef idx="1">
+            <a:schemeClr val="accent1"/>
+          </a:fillRef>
+          <a:effectRef idx="0">
+            <a:schemeClr val="accent1"/>
+          </a:effectRef>
+          <a:fontRef idx="minor">
+            <a:schemeClr val="lt1"/>
+          </a:fontRef>
+        </p:style>
+      </p:cxnSp>
+      <p:cxnSp>
+        <p:nvCxnSpPr>
+          <p:cNvPr id="41" name="Connecteur droit 40">
+            <a:extLst>
+              <a:ext uri="{FF2B5EF4-FFF2-40B4-BE49-F238E27FC236}">
+                <a16:creationId xmlns:a16="http://schemas.microsoft.com/office/drawing/2014/main" id="{C41173A2-5F14-A618-B544-0DEE10698EDD}"/>
+              </a:ext>
+            </a:extLst>
+          </p:cNvPr>
+          <p:cNvCxnSpPr>
+            <a:cxnSpLocks/>
+          </p:cNvCxnSpPr>
+          <p:nvPr/>
+        </p:nvCxnSpPr>
+        <p:spPr>
+          <a:xfrm>
+            <a:off x="4126822" y="1266330"/>
+            <a:ext cx="0" cy="2880000"/>
+          </a:xfrm>
+          <a:prstGeom prst="line">
+            <a:avLst/>
+          </a:prstGeom>
+          <a:noFill/>
+          <a:ln>
+            <a:solidFill>
+              <a:schemeClr val="bg1">
+                <a:lumMod val="75000"/>
+              </a:schemeClr>
+            </a:solidFill>
+          </a:ln>
+        </p:spPr>
+        <p:style>
+          <a:lnRef idx="2">
+            <a:schemeClr val="accent1">
+              <a:shade val="15000"/>
+            </a:schemeClr>
+          </a:lnRef>
+          <a:fillRef idx="1">
+            <a:schemeClr val="accent1"/>
+          </a:fillRef>
+          <a:effectRef idx="0">
+            <a:schemeClr val="accent1"/>
+          </a:effectRef>
+          <a:fontRef idx="minor">
+            <a:schemeClr val="lt1"/>
+          </a:fontRef>
+        </p:style>
+      </p:cxnSp>
+      <p:cxnSp>
+        <p:nvCxnSpPr>
+          <p:cNvPr id="42" name="Connecteur droit 41">
+            <a:extLst>
+              <a:ext uri="{FF2B5EF4-FFF2-40B4-BE49-F238E27FC236}">
+                <a16:creationId xmlns:a16="http://schemas.microsoft.com/office/drawing/2014/main" id="{E0C949EE-831D-9516-2135-9FA7A0864C4C}"/>
+              </a:ext>
+            </a:extLst>
+          </p:cNvPr>
+          <p:cNvCxnSpPr>
+            <a:cxnSpLocks/>
+          </p:cNvCxnSpPr>
+          <p:nvPr/>
+        </p:nvCxnSpPr>
+        <p:spPr>
+          <a:xfrm>
+            <a:off x="4486462" y="1266330"/>
+            <a:ext cx="0" cy="2880000"/>
+          </a:xfrm>
+          <a:prstGeom prst="line">
+            <a:avLst/>
+          </a:prstGeom>
+          <a:noFill/>
+          <a:ln>
+            <a:solidFill>
+              <a:schemeClr val="bg1">
+                <a:lumMod val="75000"/>
+              </a:schemeClr>
+            </a:solidFill>
+          </a:ln>
+        </p:spPr>
+        <p:style>
+          <a:lnRef idx="2">
+            <a:schemeClr val="accent1">
+              <a:shade val="15000"/>
+            </a:schemeClr>
+          </a:lnRef>
+          <a:fillRef idx="1">
+            <a:schemeClr val="accent1"/>
+          </a:fillRef>
+          <a:effectRef idx="0">
+            <a:schemeClr val="accent1"/>
+          </a:effectRef>
+          <a:fontRef idx="minor">
+            <a:schemeClr val="lt1"/>
+          </a:fontRef>
+        </p:style>
+      </p:cxnSp>
+      <p:cxnSp>
+        <p:nvCxnSpPr>
+          <p:cNvPr id="43" name="Connecteur droit 42">
+            <a:extLst>
+              <a:ext uri="{FF2B5EF4-FFF2-40B4-BE49-F238E27FC236}">
+                <a16:creationId xmlns:a16="http://schemas.microsoft.com/office/drawing/2014/main" id="{8B584072-560E-255C-4E43-6C7473CE9263}"/>
+              </a:ext>
+            </a:extLst>
+          </p:cNvPr>
+          <p:cNvCxnSpPr>
+            <a:cxnSpLocks/>
+          </p:cNvCxnSpPr>
+          <p:nvPr/>
+        </p:nvCxnSpPr>
+        <p:spPr>
+          <a:xfrm>
+            <a:off x="4846102" y="1266330"/>
+            <a:ext cx="0" cy="2880000"/>
+          </a:xfrm>
+          <a:prstGeom prst="line">
+            <a:avLst/>
+          </a:prstGeom>
+          <a:noFill/>
+          <a:ln>
+            <a:solidFill>
+              <a:schemeClr val="bg1">
+                <a:lumMod val="75000"/>
+              </a:schemeClr>
+            </a:solidFill>
+          </a:ln>
+        </p:spPr>
+        <p:style>
+          <a:lnRef idx="2">
+            <a:schemeClr val="accent1">
+              <a:shade val="15000"/>
+            </a:schemeClr>
+          </a:lnRef>
+          <a:fillRef idx="1">
+            <a:schemeClr val="accent1"/>
+          </a:fillRef>
+          <a:effectRef idx="0">
+            <a:schemeClr val="accent1"/>
+          </a:effectRef>
+          <a:fontRef idx="minor">
+            <a:schemeClr val="lt1"/>
+          </a:fontRef>
+        </p:style>
+      </p:cxnSp>
+      <p:cxnSp>
+        <p:nvCxnSpPr>
+          <p:cNvPr id="44" name="Connecteur droit 43">
+            <a:extLst>
+              <a:ext uri="{FF2B5EF4-FFF2-40B4-BE49-F238E27FC236}">
+                <a16:creationId xmlns:a16="http://schemas.microsoft.com/office/drawing/2014/main" id="{2DF84A21-9DC2-186C-7208-BBD8C51C414C}"/>
+              </a:ext>
+            </a:extLst>
+          </p:cNvPr>
+          <p:cNvCxnSpPr>
+            <a:cxnSpLocks/>
+          </p:cNvCxnSpPr>
+          <p:nvPr/>
+        </p:nvCxnSpPr>
+        <p:spPr>
+          <a:xfrm>
+            <a:off x="5205742" y="1266330"/>
+            <a:ext cx="0" cy="2880000"/>
+          </a:xfrm>
+          <a:prstGeom prst="line">
+            <a:avLst/>
+          </a:prstGeom>
+          <a:noFill/>
+          <a:ln>
+            <a:solidFill>
+              <a:schemeClr val="bg1">
+                <a:lumMod val="75000"/>
+              </a:schemeClr>
+            </a:solidFill>
+          </a:ln>
+        </p:spPr>
+        <p:style>
+          <a:lnRef idx="2">
+            <a:schemeClr val="accent1">
+              <a:shade val="15000"/>
+            </a:schemeClr>
+          </a:lnRef>
+          <a:fillRef idx="1">
+            <a:schemeClr val="accent1"/>
+          </a:fillRef>
+          <a:effectRef idx="0">
+            <a:schemeClr val="accent1"/>
+          </a:effectRef>
+          <a:fontRef idx="minor">
+            <a:schemeClr val="lt1"/>
+          </a:fontRef>
+        </p:style>
+      </p:cxnSp>
+      <p:cxnSp>
+        <p:nvCxnSpPr>
+          <p:cNvPr id="45" name="Connecteur droit 44">
+            <a:extLst>
+              <a:ext uri="{FF2B5EF4-FFF2-40B4-BE49-F238E27FC236}">
+                <a16:creationId xmlns:a16="http://schemas.microsoft.com/office/drawing/2014/main" id="{EC60F55F-68E5-BC66-E304-1022C70CCE50}"/>
+              </a:ext>
+            </a:extLst>
+          </p:cNvPr>
+          <p:cNvCxnSpPr>
+            <a:cxnSpLocks/>
+          </p:cNvCxnSpPr>
+          <p:nvPr/>
+        </p:nvCxnSpPr>
+        <p:spPr>
+          <a:xfrm>
+            <a:off x="5565382" y="1266330"/>
+            <a:ext cx="0" cy="2880000"/>
+          </a:xfrm>
+          <a:prstGeom prst="line">
+            <a:avLst/>
+          </a:prstGeom>
+          <a:noFill/>
+          <a:ln>
+            <a:solidFill>
+              <a:schemeClr val="bg1">
+                <a:lumMod val="75000"/>
+              </a:schemeClr>
+            </a:solidFill>
+          </a:ln>
+        </p:spPr>
+        <p:style>
+          <a:lnRef idx="2">
+            <a:schemeClr val="accent1">
+              <a:shade val="15000"/>
+            </a:schemeClr>
+          </a:lnRef>
+          <a:fillRef idx="1">
+            <a:schemeClr val="accent1"/>
+          </a:fillRef>
+          <a:effectRef idx="0">
+            <a:schemeClr val="accent1"/>
+          </a:effectRef>
+          <a:fontRef idx="minor">
+            <a:schemeClr val="lt1"/>
+          </a:fontRef>
+        </p:style>
+      </p:cxnSp>
+      <p:cxnSp>
+        <p:nvCxnSpPr>
+          <p:cNvPr id="46" name="Connecteur droit 45">
+            <a:extLst>
+              <a:ext uri="{FF2B5EF4-FFF2-40B4-BE49-F238E27FC236}">
+                <a16:creationId xmlns:a16="http://schemas.microsoft.com/office/drawing/2014/main" id="{A4222240-C65C-89A3-5E06-5D5A3D9836C4}"/>
+              </a:ext>
+            </a:extLst>
+          </p:cNvPr>
+          <p:cNvCxnSpPr>
+            <a:cxnSpLocks/>
+          </p:cNvCxnSpPr>
+          <p:nvPr/>
+        </p:nvCxnSpPr>
+        <p:spPr>
+          <a:xfrm>
+            <a:off x="5925022" y="1266330"/>
+            <a:ext cx="0" cy="2880000"/>
+          </a:xfrm>
+          <a:prstGeom prst="line">
+            <a:avLst/>
+          </a:prstGeom>
+          <a:noFill/>
+          <a:ln>
+            <a:solidFill>
+              <a:schemeClr val="bg1">
+                <a:lumMod val="75000"/>
+              </a:schemeClr>
+            </a:solidFill>
+          </a:ln>
+        </p:spPr>
+        <p:style>
+          <a:lnRef idx="2">
+            <a:schemeClr val="accent1">
+              <a:shade val="15000"/>
+            </a:schemeClr>
+          </a:lnRef>
+          <a:fillRef idx="1">
+            <a:schemeClr val="accent1"/>
+          </a:fillRef>
+          <a:effectRef idx="0">
+            <a:schemeClr val="accent1"/>
+          </a:effectRef>
+          <a:fontRef idx="minor">
+            <a:schemeClr val="lt1"/>
+          </a:fontRef>
+        </p:style>
+      </p:cxnSp>
+      <p:cxnSp>
+        <p:nvCxnSpPr>
+          <p:cNvPr id="47" name="Connecteur droit 46">
+            <a:extLst>
+              <a:ext uri="{FF2B5EF4-FFF2-40B4-BE49-F238E27FC236}">
+                <a16:creationId xmlns:a16="http://schemas.microsoft.com/office/drawing/2014/main" id="{007E6852-30D4-BFB1-8EB0-61A930786F35}"/>
+              </a:ext>
+            </a:extLst>
+          </p:cNvPr>
+          <p:cNvCxnSpPr>
+            <a:cxnSpLocks/>
+          </p:cNvCxnSpPr>
+          <p:nvPr/>
+        </p:nvCxnSpPr>
+        <p:spPr>
+          <a:xfrm>
+            <a:off x="6284662" y="1266330"/>
+            <a:ext cx="0" cy="2880000"/>
+          </a:xfrm>
+          <a:prstGeom prst="line">
+            <a:avLst/>
+          </a:prstGeom>
+          <a:noFill/>
+          <a:ln>
+            <a:solidFill>
+              <a:schemeClr val="bg1">
+                <a:lumMod val="75000"/>
+              </a:schemeClr>
+            </a:solidFill>
+          </a:ln>
+        </p:spPr>
+        <p:style>
+          <a:lnRef idx="2">
+            <a:schemeClr val="accent1">
+              <a:shade val="15000"/>
+            </a:schemeClr>
+          </a:lnRef>
+          <a:fillRef idx="1">
+            <a:schemeClr val="accent1"/>
+          </a:fillRef>
+          <a:effectRef idx="0">
+            <a:schemeClr val="accent1"/>
+          </a:effectRef>
+          <a:fontRef idx="minor">
+            <a:schemeClr val="lt1"/>
+          </a:fontRef>
+        </p:style>
+      </p:cxnSp>
+      <p:cxnSp>
+        <p:nvCxnSpPr>
+          <p:cNvPr id="48" name="Connecteur droit 47">
+            <a:extLst>
+              <a:ext uri="{FF2B5EF4-FFF2-40B4-BE49-F238E27FC236}">
+                <a16:creationId xmlns:a16="http://schemas.microsoft.com/office/drawing/2014/main" id="{D7AFF8FF-920D-1D4C-4880-C29EDFDD164C}"/>
+              </a:ext>
+            </a:extLst>
+          </p:cNvPr>
+          <p:cNvCxnSpPr>
+            <a:cxnSpLocks/>
+          </p:cNvCxnSpPr>
+          <p:nvPr/>
+        </p:nvCxnSpPr>
+        <p:spPr>
+          <a:xfrm>
+            <a:off x="6644312" y="1266330"/>
+            <a:ext cx="0" cy="2880000"/>
+          </a:xfrm>
+          <a:prstGeom prst="line">
+            <a:avLst/>
+          </a:prstGeom>
+          <a:noFill/>
+          <a:ln>
+            <a:solidFill>
+              <a:schemeClr val="bg1">
+                <a:lumMod val="75000"/>
+              </a:schemeClr>
+            </a:solidFill>
+          </a:ln>
+        </p:spPr>
+        <p:style>
+          <a:lnRef idx="2">
+            <a:schemeClr val="accent1">
+              <a:shade val="15000"/>
+            </a:schemeClr>
+          </a:lnRef>
+          <a:fillRef idx="1">
+            <a:schemeClr val="accent1"/>
+          </a:fillRef>
+          <a:effectRef idx="0">
+            <a:schemeClr val="accent1"/>
+          </a:effectRef>
+          <a:fontRef idx="minor">
+            <a:schemeClr val="lt1"/>
+          </a:fontRef>
+        </p:style>
+      </p:cxnSp>
+      <p:sp>
+        <p:nvSpPr>
+          <p:cNvPr id="50" name="Ellipse 49">
+            <a:extLst>
+              <a:ext uri="{FF2B5EF4-FFF2-40B4-BE49-F238E27FC236}">
+                <a16:creationId xmlns:a16="http://schemas.microsoft.com/office/drawing/2014/main" id="{2158858F-093D-7B64-11D6-FABAB08BD317}"/>
+              </a:ext>
+            </a:extLst>
+          </p:cNvPr>
+          <p:cNvSpPr/>
+          <p:nvPr/>
+        </p:nvSpPr>
+        <p:spPr>
+          <a:xfrm>
+            <a:off x="5169733" y="2485020"/>
+            <a:ext cx="72000" cy="72000"/>
+          </a:xfrm>
+          <a:prstGeom prst="ellipse">
+            <a:avLst/>
+          </a:prstGeom>
+          <a:solidFill>
+            <a:srgbClr val="C00000"/>
+          </a:solidFill>
+          <a:ln>
+            <a:solidFill>
+              <a:srgbClr val="C00000"/>
+            </a:solidFill>
+          </a:ln>
+        </p:spPr>
+        <p:style>
+          <a:lnRef idx="2">
+            <a:schemeClr val="accent1">
+              <a:shade val="15000"/>
+            </a:schemeClr>
+          </a:lnRef>
+          <a:fillRef idx="1">
+            <a:schemeClr val="accent1"/>
+          </a:fillRef>
+          <a:effectRef idx="0">
+            <a:schemeClr val="accent1"/>
+          </a:effectRef>
+          <a:fontRef idx="minor">
+            <a:schemeClr val="lt1"/>
+          </a:fontRef>
+        </p:style>
+        <p:txBody>
+          <a:bodyPr rtlCol="0" anchor="ctr"/>
+          <a:lstStyle/>
+          <a:p>
+            <a:pPr algn="ctr"/>
+            <a:endParaRPr lang="fr-FR"/>
+          </a:p>
+        </p:txBody>
+      </p:sp>
+      <p:sp>
+        <p:nvSpPr>
+          <p:cNvPr id="51" name="Ellipse 50">
+            <a:extLst>
+              <a:ext uri="{FF2B5EF4-FFF2-40B4-BE49-F238E27FC236}">
+                <a16:creationId xmlns:a16="http://schemas.microsoft.com/office/drawing/2014/main" id="{9C58E94F-4404-E989-7578-7D36E0EC8BC6}"/>
+              </a:ext>
+            </a:extLst>
+          </p:cNvPr>
+          <p:cNvSpPr/>
+          <p:nvPr/>
+        </p:nvSpPr>
+        <p:spPr>
+          <a:xfrm>
+            <a:off x="6068833" y="2857420"/>
+            <a:ext cx="72000" cy="72000"/>
+          </a:xfrm>
+          <a:prstGeom prst="ellipse">
+            <a:avLst/>
+          </a:prstGeom>
+          <a:solidFill>
+            <a:srgbClr val="C00000"/>
+          </a:solidFill>
+          <a:ln>
+            <a:solidFill>
+              <a:srgbClr val="C00000"/>
+            </a:solidFill>
+          </a:ln>
+        </p:spPr>
+        <p:style>
+          <a:lnRef idx="2">
+            <a:schemeClr val="accent1">
+              <a:shade val="15000"/>
+            </a:schemeClr>
+          </a:lnRef>
+          <a:fillRef idx="1">
+            <a:schemeClr val="accent1"/>
+          </a:fillRef>
+          <a:effectRef idx="0">
+            <a:schemeClr val="accent1"/>
+          </a:effectRef>
+          <a:fontRef idx="minor">
+            <a:schemeClr val="lt1"/>
+          </a:fontRef>
+        </p:style>
+        <p:txBody>
+          <a:bodyPr rtlCol="0" anchor="ctr"/>
+          <a:lstStyle/>
+          <a:p>
+            <a:pPr algn="ctr"/>
+            <a:endParaRPr lang="fr-FR"/>
+          </a:p>
+        </p:txBody>
+      </p:sp>
+      <mc:AlternateContent xmlns:mc="http://schemas.openxmlformats.org/markup-compatibility/2006">
+        <mc:Choice xmlns:a14="http://schemas.microsoft.com/office/drawing/2010/main" Requires="a14">
+          <p:sp>
+            <p:nvSpPr>
+              <p:cNvPr id="52" name="ZoneTexte 51">
+                <a:extLst>
+                  <a:ext uri="{FF2B5EF4-FFF2-40B4-BE49-F238E27FC236}">
+                    <a16:creationId xmlns:a16="http://schemas.microsoft.com/office/drawing/2014/main" id="{61B5DC28-2687-59DF-50AE-7FADB8F3BF27}"/>
+                  </a:ext>
+                </a:extLst>
+              </p:cNvPr>
+              <p:cNvSpPr txBox="1"/>
+              <p:nvPr/>
+            </p:nvSpPr>
+            <p:spPr>
+              <a:xfrm>
+                <a:off x="4538176" y="2396349"/>
+                <a:ext cx="575029" cy="215444"/>
+              </a:xfrm>
+              <a:prstGeom prst="rect">
+                <a:avLst/>
+              </a:prstGeom>
+              <a:noFill/>
+            </p:spPr>
+            <p:txBody>
+              <a:bodyPr wrap="none" lIns="0" tIns="0" rIns="0" bIns="0" rtlCol="0">
+                <a:spAutoFit/>
+              </a:bodyPr>
+              <a:lstStyle/>
+              <a:p>
+                <a14:m>
+                  <m:oMathPara xmlns:m="http://schemas.openxmlformats.org/officeDocument/2006/math">
+                    <m:oMathParaPr>
+                      <m:jc m:val="centerGroup"/>
+                    </m:oMathParaPr>
+                    <m:oMath xmlns:m="http://schemas.openxmlformats.org/officeDocument/2006/math">
+                      <m:r>
+                        <a:rPr lang="fr-FR" sz="1400" b="0" i="1" smtClean="0">
+                          <a:latin typeface="Cambria Math" panose="02040503050406030204" pitchFamily="18" charset="0"/>
+                        </a:rPr>
+                        <m:t>𝑃</m:t>
+                      </m:r>
+                      <m:r>
+                        <a:rPr lang="fr-FR" sz="1400" b="0" i="1" smtClean="0">
+                          <a:latin typeface="Cambria Math" panose="02040503050406030204" pitchFamily="18" charset="0"/>
+                        </a:rPr>
+                        <m:t>(</m:t>
+                      </m:r>
+                      <m:r>
+                        <a:rPr lang="fr-FR" sz="1400" b="0" i="1" smtClean="0">
+                          <a:latin typeface="Cambria Math" panose="02040503050406030204" pitchFamily="18" charset="0"/>
+                        </a:rPr>
+                        <m:t>𝑥</m:t>
+                      </m:r>
+                      <m:r>
+                        <a:rPr lang="fr-FR" sz="1400" b="0" i="1" smtClean="0">
+                          <a:latin typeface="Cambria Math" panose="02040503050406030204" pitchFamily="18" charset="0"/>
+                        </a:rPr>
+                        <m:t>,</m:t>
+                      </m:r>
+                      <m:r>
+                        <a:rPr lang="fr-FR" sz="1400" b="0" i="1" smtClean="0">
+                          <a:latin typeface="Cambria Math" panose="02040503050406030204" pitchFamily="18" charset="0"/>
+                        </a:rPr>
+                        <m:t>𝑦</m:t>
+                      </m:r>
+                      <m:r>
+                        <a:rPr lang="fr-FR" sz="1400" b="0" i="1" smtClean="0">
+                          <a:latin typeface="Cambria Math" panose="02040503050406030204" pitchFamily="18" charset="0"/>
+                        </a:rPr>
+                        <m:t>)</m:t>
+                      </m:r>
+                    </m:oMath>
+                  </m:oMathPara>
+                </a14:m>
+                <a:endParaRPr lang="fr-FR" sz="1400" dirty="0"/>
+              </a:p>
+            </p:txBody>
+          </p:sp>
+        </mc:Choice>
+        <mc:Fallback>
+          <p:sp>
+            <p:nvSpPr>
+              <p:cNvPr id="52" name="ZoneTexte 51">
+                <a:extLst>
+                  <a:ext uri="{FF2B5EF4-FFF2-40B4-BE49-F238E27FC236}">
+                    <a16:creationId xmlns:a16="http://schemas.microsoft.com/office/drawing/2014/main" id="{61B5DC28-2687-59DF-50AE-7FADB8F3BF27}"/>
+                  </a:ext>
+                </a:extLst>
+              </p:cNvPr>
+              <p:cNvSpPr txBox="1">
+                <a:spLocks noRot="1" noChangeAspect="1" noMove="1" noResize="1" noEditPoints="1" noAdjustHandles="1" noChangeArrowheads="1" noChangeShapeType="1" noTextEdit="1"/>
+              </p:cNvSpPr>
+              <p:nvPr/>
+            </p:nvSpPr>
+            <p:spPr>
+              <a:xfrm>
+                <a:off x="4538176" y="2396349"/>
+                <a:ext cx="575029" cy="215444"/>
+              </a:xfrm>
+              <a:prstGeom prst="rect">
+                <a:avLst/>
+              </a:prstGeom>
+              <a:blipFill>
+                <a:blip r:embed="rId2"/>
+                <a:stretch>
+                  <a:fillRect l="-6316" r="-10526" b="-34286"/>
+                </a:stretch>
+              </a:blipFill>
+            </p:spPr>
+            <p:txBody>
+              <a:bodyPr/>
+              <a:lstStyle/>
+              <a:p>
+                <a:r>
+                  <a:rPr lang="fr-FR">
+                    <a:noFill/>
+                  </a:rPr>
+                  <a:t> </a:t>
+                </a:r>
+              </a:p>
+            </p:txBody>
+          </p:sp>
+        </mc:Fallback>
+      </mc:AlternateContent>
+      <mc:AlternateContent xmlns:mc="http://schemas.openxmlformats.org/markup-compatibility/2006">
+        <mc:Choice xmlns:a14="http://schemas.microsoft.com/office/drawing/2010/main" Requires="a14">
+          <p:sp>
+            <p:nvSpPr>
+              <p:cNvPr id="53" name="ZoneTexte 52">
+                <a:extLst>
+                  <a:ext uri="{FF2B5EF4-FFF2-40B4-BE49-F238E27FC236}">
+                    <a16:creationId xmlns:a16="http://schemas.microsoft.com/office/drawing/2014/main" id="{46D7D86A-8133-B99B-FCC0-D97103EB40C5}"/>
+                  </a:ext>
+                </a:extLst>
+              </p:cNvPr>
+              <p:cNvSpPr txBox="1"/>
+              <p:nvPr/>
+            </p:nvSpPr>
+            <p:spPr>
+              <a:xfrm>
+                <a:off x="5345619" y="2995197"/>
+                <a:ext cx="1436483" cy="215444"/>
+              </a:xfrm>
+              <a:prstGeom prst="rect">
+                <a:avLst/>
+              </a:prstGeom>
+              <a:noFill/>
+            </p:spPr>
+            <p:txBody>
+              <a:bodyPr wrap="none" lIns="0" tIns="0" rIns="0" bIns="0" rtlCol="0">
+                <a:spAutoFit/>
+              </a:bodyPr>
+              <a:lstStyle/>
+              <a:p>
+                <a14:m>
+                  <m:oMathPara xmlns:m="http://schemas.openxmlformats.org/officeDocument/2006/math">
+                    <m:oMathParaPr>
+                      <m:jc m:val="centerGroup"/>
+                    </m:oMathParaPr>
+                    <m:oMath xmlns:m="http://schemas.openxmlformats.org/officeDocument/2006/math">
+                      <m:r>
+                        <a:rPr lang="fr-FR" sz="1400" b="0" i="1" smtClean="0">
+                          <a:latin typeface="Cambria Math" panose="02040503050406030204" pitchFamily="18" charset="0"/>
+                        </a:rPr>
+                        <m:t>𝑄</m:t>
+                      </m:r>
+                      <m:r>
+                        <a:rPr lang="fr-FR" sz="1400" b="0" i="1" smtClean="0">
+                          <a:latin typeface="Cambria Math" panose="02040503050406030204" pitchFamily="18" charset="0"/>
+                        </a:rPr>
+                        <m:t>(</m:t>
+                      </m:r>
+                      <m:r>
+                        <a:rPr lang="fr-FR" sz="1400" b="0" i="1" smtClean="0">
+                          <a:latin typeface="Cambria Math" panose="02040503050406030204" pitchFamily="18" charset="0"/>
+                        </a:rPr>
+                        <m:t>𝑥</m:t>
+                      </m:r>
+                      <m:r>
+                        <a:rPr lang="fr-FR" sz="1400" b="0" i="1" smtClean="0">
+                          <a:latin typeface="Cambria Math" panose="02040503050406030204" pitchFamily="18" charset="0"/>
+                        </a:rPr>
+                        <m:t>+</m:t>
+                      </m:r>
+                      <m:r>
+                        <m:rPr>
+                          <m:sty m:val="p"/>
+                        </m:rPr>
+                        <a:rPr lang="fr-FR" sz="1400" b="0" i="0" smtClean="0">
+                          <a:latin typeface="Cambria Math" panose="02040503050406030204" pitchFamily="18" charset="0"/>
+                        </a:rPr>
+                        <m:t>Δ</m:t>
+                      </m:r>
+                      <m:r>
+                        <a:rPr lang="fr-FR" sz="1400" b="0" i="1" smtClean="0">
+                          <a:latin typeface="Cambria Math" panose="02040503050406030204" pitchFamily="18" charset="0"/>
+                        </a:rPr>
+                        <m:t>𝑥</m:t>
+                      </m:r>
+                      <m:r>
+                        <a:rPr lang="fr-FR" sz="1400" b="0" i="1" smtClean="0">
+                          <a:latin typeface="Cambria Math" panose="02040503050406030204" pitchFamily="18" charset="0"/>
+                        </a:rPr>
+                        <m:t>,</m:t>
+                      </m:r>
+                      <m:r>
+                        <a:rPr lang="fr-FR" sz="1400" b="0" i="1" smtClean="0">
+                          <a:latin typeface="Cambria Math" panose="02040503050406030204" pitchFamily="18" charset="0"/>
+                        </a:rPr>
+                        <m:t>𝑦</m:t>
+                      </m:r>
+                      <m:r>
+                        <a:rPr lang="fr-FR" sz="1400" i="1">
+                          <a:latin typeface="Cambria Math" panose="02040503050406030204" pitchFamily="18" charset="0"/>
+                        </a:rPr>
+                        <m:t>+</m:t>
+                      </m:r>
+                      <m:r>
+                        <m:rPr>
+                          <m:sty m:val="p"/>
+                        </m:rPr>
+                        <a:rPr lang="fr-FR" sz="1400">
+                          <a:latin typeface="Cambria Math" panose="02040503050406030204" pitchFamily="18" charset="0"/>
+                        </a:rPr>
+                        <m:t>Δ</m:t>
+                      </m:r>
+                      <m:r>
+                        <a:rPr lang="fr-FR" sz="1400" b="0" i="1" smtClean="0">
+                          <a:latin typeface="Cambria Math" panose="02040503050406030204" pitchFamily="18" charset="0"/>
+                        </a:rPr>
+                        <m:t>𝑦</m:t>
+                      </m:r>
+                      <m:r>
+                        <a:rPr lang="fr-FR" sz="1400" b="0" i="1" smtClean="0">
+                          <a:latin typeface="Cambria Math" panose="02040503050406030204" pitchFamily="18" charset="0"/>
+                        </a:rPr>
+                        <m:t>)</m:t>
+                      </m:r>
+                    </m:oMath>
+                  </m:oMathPara>
+                </a14:m>
+                <a:endParaRPr lang="fr-FR" sz="1400" dirty="0"/>
+              </a:p>
+            </p:txBody>
+          </p:sp>
+        </mc:Choice>
+        <mc:Fallback>
+          <p:sp>
+            <p:nvSpPr>
+              <p:cNvPr id="53" name="ZoneTexte 52">
+                <a:extLst>
+                  <a:ext uri="{FF2B5EF4-FFF2-40B4-BE49-F238E27FC236}">
+                    <a16:creationId xmlns:a16="http://schemas.microsoft.com/office/drawing/2014/main" id="{46D7D86A-8133-B99B-FCC0-D97103EB40C5}"/>
+                  </a:ext>
+                </a:extLst>
+              </p:cNvPr>
+              <p:cNvSpPr txBox="1">
+                <a:spLocks noRot="1" noChangeAspect="1" noMove="1" noResize="1" noEditPoints="1" noAdjustHandles="1" noChangeArrowheads="1" noChangeShapeType="1" noTextEdit="1"/>
+              </p:cNvSpPr>
+              <p:nvPr/>
+            </p:nvSpPr>
+            <p:spPr>
+              <a:xfrm>
+                <a:off x="5345619" y="2995197"/>
+                <a:ext cx="1436483" cy="215444"/>
+              </a:xfrm>
+              <a:prstGeom prst="rect">
+                <a:avLst/>
+              </a:prstGeom>
+              <a:blipFill>
+                <a:blip r:embed="rId3"/>
+                <a:stretch>
+                  <a:fillRect l="-3814" r="-3390" b="-30556"/>
+                </a:stretch>
+              </a:blipFill>
+            </p:spPr>
+            <p:txBody>
+              <a:bodyPr/>
+              <a:lstStyle/>
+              <a:p>
+                <a:r>
+                  <a:rPr lang="fr-FR">
+                    <a:noFill/>
+                  </a:rPr>
+                  <a:t> </a:t>
+                </a:r>
+              </a:p>
+            </p:txBody>
+          </p:sp>
+        </mc:Fallback>
+      </mc:AlternateContent>
+      <p:sp>
+        <p:nvSpPr>
+          <p:cNvPr id="56" name="Ellipse 55">
+            <a:extLst>
+              <a:ext uri="{FF2B5EF4-FFF2-40B4-BE49-F238E27FC236}">
+                <a16:creationId xmlns:a16="http://schemas.microsoft.com/office/drawing/2014/main" id="{B9A4398F-7442-0163-2D95-65FB425A61F8}"/>
+              </a:ext>
+            </a:extLst>
+          </p:cNvPr>
+          <p:cNvSpPr/>
+          <p:nvPr/>
+        </p:nvSpPr>
+        <p:spPr>
+          <a:xfrm>
+            <a:off x="5519705" y="1583506"/>
+            <a:ext cx="72000" cy="72000"/>
+          </a:xfrm>
+          <a:prstGeom prst="ellipse">
+            <a:avLst/>
+          </a:prstGeom>
+          <a:solidFill>
+            <a:srgbClr val="C00000"/>
+          </a:solidFill>
+          <a:ln>
+            <a:solidFill>
+              <a:srgbClr val="C00000"/>
+            </a:solidFill>
+          </a:ln>
+        </p:spPr>
+        <p:style>
+          <a:lnRef idx="2">
+            <a:schemeClr val="accent1">
+              <a:shade val="15000"/>
+            </a:schemeClr>
+          </a:lnRef>
+          <a:fillRef idx="1">
+            <a:schemeClr val="accent1"/>
+          </a:fillRef>
+          <a:effectRef idx="0">
+            <a:schemeClr val="accent1"/>
+          </a:effectRef>
+          <a:fontRef idx="minor">
+            <a:schemeClr val="lt1"/>
+          </a:fontRef>
+        </p:style>
+        <p:txBody>
+          <a:bodyPr rtlCol="0" anchor="ctr"/>
+          <a:lstStyle/>
+          <a:p>
+            <a:pPr algn="ctr"/>
+            <a:endParaRPr lang="fr-FR"/>
+          </a:p>
+        </p:txBody>
+      </p:sp>
+      <mc:AlternateContent xmlns:mc="http://schemas.openxmlformats.org/markup-compatibility/2006">
+        <mc:Choice xmlns:a14="http://schemas.microsoft.com/office/drawing/2010/main" Requires="a14">
+          <p:sp>
+            <p:nvSpPr>
+              <p:cNvPr id="57" name="ZoneTexte 56">
+                <a:extLst>
+                  <a:ext uri="{FF2B5EF4-FFF2-40B4-BE49-F238E27FC236}">
+                    <a16:creationId xmlns:a16="http://schemas.microsoft.com/office/drawing/2014/main" id="{DE8DA95C-4B66-721E-4D2C-8FBB47A87058}"/>
+                  </a:ext>
+                </a:extLst>
+              </p:cNvPr>
+              <p:cNvSpPr txBox="1"/>
+              <p:nvPr/>
+            </p:nvSpPr>
+            <p:spPr>
+              <a:xfrm>
+                <a:off x="4879523" y="1330155"/>
+                <a:ext cx="1558888" cy="215444"/>
+              </a:xfrm>
+              <a:prstGeom prst="rect">
+                <a:avLst/>
+              </a:prstGeom>
+              <a:noFill/>
+            </p:spPr>
+            <p:txBody>
+              <a:bodyPr wrap="none" lIns="0" tIns="0" rIns="0" bIns="0" rtlCol="0">
+                <a:spAutoFit/>
+              </a:bodyPr>
+              <a:lstStyle/>
+              <a:p>
+                <a14:m>
+                  <m:oMathPara xmlns:m="http://schemas.openxmlformats.org/officeDocument/2006/math">
+                    <m:oMathParaPr>
+                      <m:jc m:val="centerGroup"/>
+                    </m:oMathParaPr>
+                    <m:oMath xmlns:m="http://schemas.openxmlformats.org/officeDocument/2006/math">
+                      <m:sSub>
+                        <m:sSubPr>
+                          <m:ctrlPr>
+                            <a:rPr lang="fr-FR" sz="1400" b="0" i="1" smtClean="0">
+                              <a:latin typeface="Cambria Math" panose="02040503050406030204" pitchFamily="18" charset="0"/>
+                            </a:rPr>
+                          </m:ctrlPr>
+                        </m:sSubPr>
+                        <m:e>
+                          <m:r>
+                            <a:rPr lang="fr-FR" sz="1400" b="0" i="1" smtClean="0">
+                              <a:latin typeface="Cambria Math" panose="02040503050406030204" pitchFamily="18" charset="0"/>
+                            </a:rPr>
+                            <m:t>𝑄</m:t>
+                          </m:r>
+                        </m:e>
+                        <m:sub>
+                          <m:r>
+                            <a:rPr lang="fr-FR" sz="1400" b="0" i="1" smtClean="0">
+                              <a:latin typeface="Cambria Math" panose="02040503050406030204" pitchFamily="18" charset="0"/>
+                            </a:rPr>
+                            <m:t>1</m:t>
+                          </m:r>
+                        </m:sub>
+                      </m:sSub>
+                      <m:r>
+                        <a:rPr lang="fr-FR" sz="1400" b="0" i="1" smtClean="0">
+                          <a:latin typeface="Cambria Math" panose="02040503050406030204" pitchFamily="18" charset="0"/>
+                        </a:rPr>
+                        <m:t>(</m:t>
+                      </m:r>
+                      <m:r>
+                        <a:rPr lang="fr-FR" sz="1400" b="0" i="1" smtClean="0">
+                          <a:latin typeface="Cambria Math" panose="02040503050406030204" pitchFamily="18" charset="0"/>
+                        </a:rPr>
+                        <m:t>𝑥</m:t>
+                      </m:r>
+                      <m:r>
+                        <a:rPr lang="fr-FR" sz="1400" b="0" i="0" smtClean="0">
+                          <a:latin typeface="Cambria Math" panose="02040503050406030204" pitchFamily="18" charset="0"/>
+                        </a:rPr>
+                        <m:t>−</m:t>
+                      </m:r>
+                      <m:r>
+                        <m:rPr>
+                          <m:sty m:val="p"/>
+                        </m:rPr>
+                        <a:rPr lang="fr-FR" sz="1400" b="0" i="0" smtClean="0">
+                          <a:latin typeface="Cambria Math" panose="02040503050406030204" pitchFamily="18" charset="0"/>
+                        </a:rPr>
+                        <m:t>Δ</m:t>
+                      </m:r>
+                      <m:r>
+                        <a:rPr lang="fr-FR" sz="1400" b="0" i="1" smtClean="0">
+                          <a:latin typeface="Cambria Math" panose="02040503050406030204" pitchFamily="18" charset="0"/>
+                        </a:rPr>
+                        <m:t>𝑦</m:t>
+                      </m:r>
+                      <m:r>
+                        <a:rPr lang="fr-FR" sz="1400" b="0" i="1" smtClean="0">
+                          <a:latin typeface="Cambria Math" panose="02040503050406030204" pitchFamily="18" charset="0"/>
+                        </a:rPr>
+                        <m:t>,</m:t>
+                      </m:r>
+                      <m:r>
+                        <a:rPr lang="fr-FR" sz="1400" b="0" i="1" smtClean="0">
+                          <a:latin typeface="Cambria Math" panose="02040503050406030204" pitchFamily="18" charset="0"/>
+                        </a:rPr>
+                        <m:t>𝑦</m:t>
+                      </m:r>
+                      <m:r>
+                        <a:rPr lang="fr-FR" sz="1400" i="1">
+                          <a:latin typeface="Cambria Math" panose="02040503050406030204" pitchFamily="18" charset="0"/>
+                        </a:rPr>
+                        <m:t>+</m:t>
+                      </m:r>
+                      <m:r>
+                        <m:rPr>
+                          <m:sty m:val="p"/>
+                        </m:rPr>
+                        <a:rPr lang="fr-FR" sz="1400">
+                          <a:latin typeface="Cambria Math" panose="02040503050406030204" pitchFamily="18" charset="0"/>
+                        </a:rPr>
+                        <m:t>Δ</m:t>
+                      </m:r>
+                      <m:r>
+                        <a:rPr lang="fr-FR" sz="1400" b="0" i="1" smtClean="0">
+                          <a:latin typeface="Cambria Math" panose="02040503050406030204" pitchFamily="18" charset="0"/>
+                        </a:rPr>
+                        <m:t>𝑥</m:t>
+                      </m:r>
+                      <m:r>
+                        <a:rPr lang="fr-FR" sz="1400" b="0" i="1" smtClean="0">
+                          <a:latin typeface="Cambria Math" panose="02040503050406030204" pitchFamily="18" charset="0"/>
+                        </a:rPr>
+                        <m:t>)</m:t>
+                      </m:r>
+                    </m:oMath>
+                  </m:oMathPara>
+                </a14:m>
+                <a:endParaRPr lang="fr-FR" sz="1400" dirty="0"/>
+              </a:p>
+            </p:txBody>
+          </p:sp>
+        </mc:Choice>
+        <mc:Fallback>
+          <p:sp>
+            <p:nvSpPr>
+              <p:cNvPr id="57" name="ZoneTexte 56">
+                <a:extLst>
+                  <a:ext uri="{FF2B5EF4-FFF2-40B4-BE49-F238E27FC236}">
+                    <a16:creationId xmlns:a16="http://schemas.microsoft.com/office/drawing/2014/main" id="{DE8DA95C-4B66-721E-4D2C-8FBB47A87058}"/>
+                  </a:ext>
+                </a:extLst>
+              </p:cNvPr>
+              <p:cNvSpPr txBox="1">
+                <a:spLocks noRot="1" noChangeAspect="1" noMove="1" noResize="1" noEditPoints="1" noAdjustHandles="1" noChangeArrowheads="1" noChangeShapeType="1" noTextEdit="1"/>
+              </p:cNvSpPr>
+              <p:nvPr/>
+            </p:nvSpPr>
+            <p:spPr>
+              <a:xfrm>
+                <a:off x="4879523" y="1330155"/>
+                <a:ext cx="1558888" cy="215444"/>
+              </a:xfrm>
+              <a:prstGeom prst="rect">
+                <a:avLst/>
+              </a:prstGeom>
+              <a:blipFill>
+                <a:blip r:embed="rId4"/>
+                <a:stretch>
+                  <a:fillRect l="-1563" r="-1953" b="-30556"/>
+                </a:stretch>
+              </a:blipFill>
+            </p:spPr>
+            <p:txBody>
+              <a:bodyPr/>
+              <a:lstStyle/>
+              <a:p>
+                <a:r>
+                  <a:rPr lang="fr-FR">
+                    <a:noFill/>
+                  </a:rPr>
+                  <a:t> </a:t>
+                </a:r>
+              </a:p>
+            </p:txBody>
+          </p:sp>
+        </mc:Fallback>
+      </mc:AlternateContent>
+      <p:sp>
+        <p:nvSpPr>
+          <p:cNvPr id="58" name="Ellipse 57">
+            <a:extLst>
+              <a:ext uri="{FF2B5EF4-FFF2-40B4-BE49-F238E27FC236}">
+                <a16:creationId xmlns:a16="http://schemas.microsoft.com/office/drawing/2014/main" id="{21CE5676-10B1-0309-319F-3793CDBEF7F2}"/>
+              </a:ext>
+            </a:extLst>
+          </p:cNvPr>
+          <p:cNvSpPr/>
+          <p:nvPr/>
+        </p:nvSpPr>
+        <p:spPr>
+          <a:xfrm>
+            <a:off x="4284753" y="2136631"/>
+            <a:ext cx="72000" cy="72000"/>
+          </a:xfrm>
+          <a:prstGeom prst="ellipse">
+            <a:avLst/>
+          </a:prstGeom>
+          <a:solidFill>
+            <a:srgbClr val="C00000"/>
+          </a:solidFill>
+          <a:ln>
+            <a:solidFill>
+              <a:srgbClr val="C00000"/>
+            </a:solidFill>
+          </a:ln>
+        </p:spPr>
+        <p:style>
+          <a:lnRef idx="2">
+            <a:schemeClr val="accent1">
+              <a:shade val="15000"/>
+            </a:schemeClr>
+          </a:lnRef>
+          <a:fillRef idx="1">
+            <a:schemeClr val="accent1"/>
+          </a:fillRef>
+          <a:effectRef idx="0">
+            <a:schemeClr val="accent1"/>
+          </a:effectRef>
+          <a:fontRef idx="minor">
+            <a:schemeClr val="lt1"/>
+          </a:fontRef>
+        </p:style>
+        <p:txBody>
+          <a:bodyPr rtlCol="0" anchor="ctr"/>
+          <a:lstStyle/>
+          <a:p>
+            <a:pPr algn="ctr"/>
+            <a:endParaRPr lang="fr-FR"/>
+          </a:p>
+        </p:txBody>
+      </p:sp>
+      <mc:AlternateContent xmlns:mc="http://schemas.openxmlformats.org/markup-compatibility/2006">
+        <mc:Choice xmlns:a14="http://schemas.microsoft.com/office/drawing/2010/main" Requires="a14">
+          <p:sp>
+            <p:nvSpPr>
+              <p:cNvPr id="59" name="ZoneTexte 58">
+                <a:extLst>
+                  <a:ext uri="{FF2B5EF4-FFF2-40B4-BE49-F238E27FC236}">
+                    <a16:creationId xmlns:a16="http://schemas.microsoft.com/office/drawing/2014/main" id="{58DB150C-2546-1F63-DF64-587A89C46B19}"/>
+                  </a:ext>
+                </a:extLst>
+              </p:cNvPr>
+              <p:cNvSpPr txBox="1"/>
+              <p:nvPr/>
+            </p:nvSpPr>
+            <p:spPr>
+              <a:xfrm>
+                <a:off x="3059646" y="1902603"/>
+                <a:ext cx="1558888" cy="215444"/>
+              </a:xfrm>
+              <a:prstGeom prst="rect">
+                <a:avLst/>
+              </a:prstGeom>
+              <a:noFill/>
+            </p:spPr>
+            <p:txBody>
+              <a:bodyPr wrap="none" lIns="0" tIns="0" rIns="0" bIns="0" rtlCol="0">
+                <a:spAutoFit/>
+              </a:bodyPr>
+              <a:lstStyle/>
+              <a:p>
+                <a14:m>
+                  <m:oMathPara xmlns:m="http://schemas.openxmlformats.org/officeDocument/2006/math">
+                    <m:oMathParaPr>
+                      <m:jc m:val="centerGroup"/>
+                    </m:oMathParaPr>
+                    <m:oMath xmlns:m="http://schemas.openxmlformats.org/officeDocument/2006/math">
+                      <m:sSub>
+                        <m:sSubPr>
+                          <m:ctrlPr>
+                            <a:rPr lang="fr-FR" sz="1400" b="0" i="1" smtClean="0">
+                              <a:latin typeface="Cambria Math" panose="02040503050406030204" pitchFamily="18" charset="0"/>
+                            </a:rPr>
+                          </m:ctrlPr>
+                        </m:sSubPr>
+                        <m:e>
+                          <m:r>
+                            <a:rPr lang="fr-FR" sz="1400" b="0" i="1" smtClean="0">
+                              <a:latin typeface="Cambria Math" panose="02040503050406030204" pitchFamily="18" charset="0"/>
+                            </a:rPr>
+                            <m:t>𝑄</m:t>
+                          </m:r>
+                        </m:e>
+                        <m:sub>
+                          <m:r>
+                            <a:rPr lang="fr-FR" sz="1400" b="0" i="1" smtClean="0">
+                              <a:latin typeface="Cambria Math" panose="02040503050406030204" pitchFamily="18" charset="0"/>
+                            </a:rPr>
+                            <m:t>0</m:t>
+                          </m:r>
+                        </m:sub>
+                      </m:sSub>
+                      <m:r>
+                        <a:rPr lang="fr-FR" sz="1400" b="0" i="1" smtClean="0">
+                          <a:latin typeface="Cambria Math" panose="02040503050406030204" pitchFamily="18" charset="0"/>
+                        </a:rPr>
+                        <m:t>(</m:t>
+                      </m:r>
+                      <m:r>
+                        <a:rPr lang="fr-FR" sz="1400" b="0" i="1" smtClean="0">
+                          <a:latin typeface="Cambria Math" panose="02040503050406030204" pitchFamily="18" charset="0"/>
+                        </a:rPr>
+                        <m:t>𝑥</m:t>
+                      </m:r>
+                      <m:r>
+                        <a:rPr lang="fr-FR" sz="1400" b="0" i="0" smtClean="0">
+                          <a:latin typeface="Cambria Math" panose="02040503050406030204" pitchFamily="18" charset="0"/>
+                        </a:rPr>
+                        <m:t>−</m:t>
+                      </m:r>
+                      <m:r>
+                        <m:rPr>
+                          <m:sty m:val="p"/>
+                        </m:rPr>
+                        <a:rPr lang="fr-FR" sz="1400" b="0" i="0" smtClean="0">
+                          <a:latin typeface="Cambria Math" panose="02040503050406030204" pitchFamily="18" charset="0"/>
+                        </a:rPr>
+                        <m:t>Δ</m:t>
+                      </m:r>
+                      <m:r>
+                        <a:rPr lang="fr-FR" sz="1400" b="0" i="1" smtClean="0">
+                          <a:latin typeface="Cambria Math" panose="02040503050406030204" pitchFamily="18" charset="0"/>
+                        </a:rPr>
+                        <m:t>𝑥</m:t>
+                      </m:r>
+                      <m:r>
+                        <a:rPr lang="fr-FR" sz="1400" b="0" i="1" smtClean="0">
+                          <a:latin typeface="Cambria Math" panose="02040503050406030204" pitchFamily="18" charset="0"/>
+                        </a:rPr>
+                        <m:t>,</m:t>
+                      </m:r>
+                      <m:r>
+                        <a:rPr lang="fr-FR" sz="1400" b="0" i="1" smtClean="0">
+                          <a:latin typeface="Cambria Math" panose="02040503050406030204" pitchFamily="18" charset="0"/>
+                        </a:rPr>
+                        <m:t>𝑦</m:t>
+                      </m:r>
+                      <m:r>
+                        <a:rPr lang="fr-FR" sz="1400" b="0" i="1" smtClean="0">
+                          <a:latin typeface="Cambria Math" panose="02040503050406030204" pitchFamily="18" charset="0"/>
+                        </a:rPr>
+                        <m:t>−</m:t>
+                      </m:r>
+                      <m:r>
+                        <m:rPr>
+                          <m:sty m:val="p"/>
+                        </m:rPr>
+                        <a:rPr lang="fr-FR" sz="1400">
+                          <a:latin typeface="Cambria Math" panose="02040503050406030204" pitchFamily="18" charset="0"/>
+                        </a:rPr>
+                        <m:t>Δ</m:t>
+                      </m:r>
+                      <m:r>
+                        <a:rPr lang="fr-FR" sz="1400" b="0" i="1" smtClean="0">
+                          <a:latin typeface="Cambria Math" panose="02040503050406030204" pitchFamily="18" charset="0"/>
+                        </a:rPr>
+                        <m:t>𝑦</m:t>
+                      </m:r>
+                      <m:r>
+                        <a:rPr lang="fr-FR" sz="1400" b="0" i="1" smtClean="0">
+                          <a:latin typeface="Cambria Math" panose="02040503050406030204" pitchFamily="18" charset="0"/>
+                        </a:rPr>
+                        <m:t>)</m:t>
+                      </m:r>
+                    </m:oMath>
+                  </m:oMathPara>
+                </a14:m>
+                <a:endParaRPr lang="fr-FR" sz="1400" dirty="0"/>
+              </a:p>
+            </p:txBody>
+          </p:sp>
+        </mc:Choice>
+        <mc:Fallback>
+          <p:sp>
+            <p:nvSpPr>
+              <p:cNvPr id="59" name="ZoneTexte 58">
+                <a:extLst>
+                  <a:ext uri="{FF2B5EF4-FFF2-40B4-BE49-F238E27FC236}">
+                    <a16:creationId xmlns:a16="http://schemas.microsoft.com/office/drawing/2014/main" id="{58DB150C-2546-1F63-DF64-587A89C46B19}"/>
+                  </a:ext>
+                </a:extLst>
+              </p:cNvPr>
+              <p:cNvSpPr txBox="1">
+                <a:spLocks noRot="1" noChangeAspect="1" noMove="1" noResize="1" noEditPoints="1" noAdjustHandles="1" noChangeArrowheads="1" noChangeShapeType="1" noTextEdit="1"/>
+              </p:cNvSpPr>
+              <p:nvPr/>
+            </p:nvSpPr>
+            <p:spPr>
+              <a:xfrm>
+                <a:off x="3059646" y="1902603"/>
+                <a:ext cx="1558888" cy="215444"/>
+              </a:xfrm>
+              <a:prstGeom prst="rect">
+                <a:avLst/>
+              </a:prstGeom>
+              <a:blipFill>
+                <a:blip r:embed="rId5"/>
+                <a:stretch>
+                  <a:fillRect l="-1953" r="-1563" b="-34286"/>
+                </a:stretch>
+              </a:blipFill>
+            </p:spPr>
+            <p:txBody>
+              <a:bodyPr/>
+              <a:lstStyle/>
+              <a:p>
+                <a:r>
+                  <a:rPr lang="fr-FR">
+                    <a:noFill/>
+                  </a:rPr>
+                  <a:t> </a:t>
+                </a:r>
+              </a:p>
+            </p:txBody>
+          </p:sp>
+        </mc:Fallback>
+      </mc:AlternateContent>
+      <mc:AlternateContent xmlns:mc="http://schemas.openxmlformats.org/markup-compatibility/2006">
+        <mc:Choice xmlns:a14="http://schemas.microsoft.com/office/drawing/2010/main" Requires="a14">
+          <p:sp>
+            <p:nvSpPr>
+              <p:cNvPr id="60" name="ZoneTexte 59">
+                <a:extLst>
+                  <a:ext uri="{FF2B5EF4-FFF2-40B4-BE49-F238E27FC236}">
+                    <a16:creationId xmlns:a16="http://schemas.microsoft.com/office/drawing/2014/main" id="{A4797B8F-1764-7B3C-54C2-55B70121F797}"/>
+                  </a:ext>
+                </a:extLst>
+              </p:cNvPr>
+              <p:cNvSpPr txBox="1"/>
+              <p:nvPr/>
+            </p:nvSpPr>
+            <p:spPr>
+              <a:xfrm>
+                <a:off x="3263732" y="3187126"/>
+                <a:ext cx="1602875" cy="215444"/>
+              </a:xfrm>
+              <a:prstGeom prst="rect">
+                <a:avLst/>
+              </a:prstGeom>
+              <a:noFill/>
+            </p:spPr>
+            <p:txBody>
+              <a:bodyPr wrap="none" lIns="0" tIns="0" rIns="0" bIns="0" rtlCol="0">
+                <a:spAutoFit/>
+              </a:bodyPr>
+              <a:lstStyle/>
+              <a:p>
+                <a14:m>
+                  <m:oMathPara xmlns:m="http://schemas.openxmlformats.org/officeDocument/2006/math">
+                    <m:oMathParaPr>
+                      <m:jc m:val="centerGroup"/>
+                    </m:oMathParaPr>
+                    <m:oMath xmlns:m="http://schemas.openxmlformats.org/officeDocument/2006/math">
+                      <m:sSub>
+                        <m:sSubPr>
+                          <m:ctrlPr>
+                            <a:rPr lang="fr-FR" sz="1400" b="0" i="1" smtClean="0">
+                              <a:latin typeface="Cambria Math" panose="02040503050406030204" pitchFamily="18" charset="0"/>
+                            </a:rPr>
+                          </m:ctrlPr>
+                        </m:sSubPr>
+                        <m:e>
+                          <m:r>
+                            <a:rPr lang="fr-FR" sz="1400" b="0" i="1" smtClean="0">
+                              <a:latin typeface="Cambria Math" panose="02040503050406030204" pitchFamily="18" charset="0"/>
+                            </a:rPr>
+                            <m:t>𝑄</m:t>
+                          </m:r>
+                        </m:e>
+                        <m:sub>
+                          <m:r>
+                            <a:rPr lang="fr-FR" sz="1400" b="0" i="1" smtClean="0">
+                              <a:latin typeface="Cambria Math" panose="02040503050406030204" pitchFamily="18" charset="0"/>
+                            </a:rPr>
+                            <m:t>−1</m:t>
+                          </m:r>
+                        </m:sub>
+                      </m:sSub>
+                      <m:r>
+                        <a:rPr lang="fr-FR" sz="1400" b="0" i="1" smtClean="0">
+                          <a:latin typeface="Cambria Math" panose="02040503050406030204" pitchFamily="18" charset="0"/>
+                        </a:rPr>
+                        <m:t>(</m:t>
+                      </m:r>
+                      <m:r>
+                        <a:rPr lang="fr-FR" sz="1400" b="0" i="1" smtClean="0">
+                          <a:latin typeface="Cambria Math" panose="02040503050406030204" pitchFamily="18" charset="0"/>
+                        </a:rPr>
+                        <m:t>𝑥</m:t>
+                      </m:r>
+                      <m:r>
+                        <a:rPr lang="fr-FR" sz="1400" b="0" i="0" smtClean="0">
+                          <a:latin typeface="Cambria Math" panose="02040503050406030204" pitchFamily="18" charset="0"/>
+                        </a:rPr>
+                        <m:t>+</m:t>
+                      </m:r>
+                      <m:r>
+                        <m:rPr>
+                          <m:sty m:val="p"/>
+                        </m:rPr>
+                        <a:rPr lang="fr-FR" sz="1400" b="0" i="0" smtClean="0">
+                          <a:latin typeface="Cambria Math" panose="02040503050406030204" pitchFamily="18" charset="0"/>
+                        </a:rPr>
+                        <m:t>Δ</m:t>
+                      </m:r>
+                      <m:r>
+                        <a:rPr lang="fr-FR" sz="1400" b="0" i="1" smtClean="0">
+                          <a:latin typeface="Cambria Math" panose="02040503050406030204" pitchFamily="18" charset="0"/>
+                        </a:rPr>
+                        <m:t>𝑦</m:t>
+                      </m:r>
+                      <m:r>
+                        <a:rPr lang="fr-FR" sz="1400" b="0" i="1" smtClean="0">
+                          <a:latin typeface="Cambria Math" panose="02040503050406030204" pitchFamily="18" charset="0"/>
+                        </a:rPr>
+                        <m:t>,</m:t>
+                      </m:r>
+                      <m:r>
+                        <a:rPr lang="fr-FR" sz="1400" b="0" i="1" smtClean="0">
+                          <a:latin typeface="Cambria Math" panose="02040503050406030204" pitchFamily="18" charset="0"/>
+                        </a:rPr>
+                        <m:t>𝑦</m:t>
+                      </m:r>
+                      <m:r>
+                        <a:rPr lang="fr-FR" sz="1400" b="0" i="1" smtClean="0">
+                          <a:latin typeface="Cambria Math" panose="02040503050406030204" pitchFamily="18" charset="0"/>
+                        </a:rPr>
+                        <m:t>−</m:t>
+                      </m:r>
+                      <m:r>
+                        <m:rPr>
+                          <m:sty m:val="p"/>
+                        </m:rPr>
+                        <a:rPr lang="fr-FR" sz="1400">
+                          <a:latin typeface="Cambria Math" panose="02040503050406030204" pitchFamily="18" charset="0"/>
+                        </a:rPr>
+                        <m:t>Δ</m:t>
+                      </m:r>
+                      <m:r>
+                        <a:rPr lang="fr-FR" sz="1400" b="0" i="1" smtClean="0">
+                          <a:latin typeface="Cambria Math" panose="02040503050406030204" pitchFamily="18" charset="0"/>
+                        </a:rPr>
+                        <m:t>𝑥</m:t>
+                      </m:r>
+                      <m:r>
+                        <a:rPr lang="fr-FR" sz="1400" b="0" i="1" smtClean="0">
+                          <a:latin typeface="Cambria Math" panose="02040503050406030204" pitchFamily="18" charset="0"/>
+                        </a:rPr>
+                        <m:t>)</m:t>
+                      </m:r>
+                    </m:oMath>
+                  </m:oMathPara>
+                </a14:m>
+                <a:endParaRPr lang="fr-FR" sz="1400" dirty="0"/>
+              </a:p>
+            </p:txBody>
+          </p:sp>
+        </mc:Choice>
+        <mc:Fallback>
+          <p:sp>
+            <p:nvSpPr>
+              <p:cNvPr id="60" name="ZoneTexte 59">
+                <a:extLst>
+                  <a:ext uri="{FF2B5EF4-FFF2-40B4-BE49-F238E27FC236}">
+                    <a16:creationId xmlns:a16="http://schemas.microsoft.com/office/drawing/2014/main" id="{A4797B8F-1764-7B3C-54C2-55B70121F797}"/>
+                  </a:ext>
+                </a:extLst>
+              </p:cNvPr>
+              <p:cNvSpPr txBox="1">
+                <a:spLocks noRot="1" noChangeAspect="1" noMove="1" noResize="1" noEditPoints="1" noAdjustHandles="1" noChangeArrowheads="1" noChangeShapeType="1" noTextEdit="1"/>
+              </p:cNvSpPr>
+              <p:nvPr/>
+            </p:nvSpPr>
+            <p:spPr>
+              <a:xfrm>
+                <a:off x="3263732" y="3187126"/>
+                <a:ext cx="1602875" cy="215444"/>
+              </a:xfrm>
+              <a:prstGeom prst="rect">
+                <a:avLst/>
+              </a:prstGeom>
+              <a:blipFill>
+                <a:blip r:embed="rId6"/>
+                <a:stretch>
+                  <a:fillRect l="-3422" r="-3422" b="-31429"/>
+                </a:stretch>
+              </a:blipFill>
+            </p:spPr>
+            <p:txBody>
+              <a:bodyPr/>
+              <a:lstStyle/>
+              <a:p>
+                <a:r>
+                  <a:rPr lang="fr-FR">
+                    <a:noFill/>
+                  </a:rPr>
+                  <a:t> </a:t>
+                </a:r>
+              </a:p>
+            </p:txBody>
+          </p:sp>
+        </mc:Fallback>
+      </mc:AlternateContent>
+      <p:sp>
+        <p:nvSpPr>
+          <p:cNvPr id="61" name="Ellipse 60">
+            <a:extLst>
+              <a:ext uri="{FF2B5EF4-FFF2-40B4-BE49-F238E27FC236}">
+                <a16:creationId xmlns:a16="http://schemas.microsoft.com/office/drawing/2014/main" id="{CFF1CDB6-DCEA-AE6D-32AD-B3C1655C7FCF}"/>
+              </a:ext>
+            </a:extLst>
+          </p:cNvPr>
+          <p:cNvSpPr/>
+          <p:nvPr/>
+        </p:nvSpPr>
+        <p:spPr>
+          <a:xfrm>
+            <a:off x="4817707" y="3402570"/>
+            <a:ext cx="72000" cy="72000"/>
+          </a:xfrm>
+          <a:prstGeom prst="ellipse">
+            <a:avLst/>
+          </a:prstGeom>
+          <a:solidFill>
+            <a:srgbClr val="C00000"/>
+          </a:solidFill>
+          <a:ln>
+            <a:solidFill>
+              <a:srgbClr val="C00000"/>
+            </a:solidFill>
+          </a:ln>
+        </p:spPr>
+        <p:style>
+          <a:lnRef idx="2">
+            <a:schemeClr val="accent1">
+              <a:shade val="15000"/>
+            </a:schemeClr>
+          </a:lnRef>
+          <a:fillRef idx="1">
+            <a:schemeClr val="accent1"/>
+          </a:fillRef>
+          <a:effectRef idx="0">
+            <a:schemeClr val="accent1"/>
+          </a:effectRef>
+          <a:fontRef idx="minor">
+            <a:schemeClr val="lt1"/>
+          </a:fontRef>
+        </p:style>
+        <p:txBody>
+          <a:bodyPr rtlCol="0" anchor="ctr"/>
+          <a:lstStyle/>
+          <a:p>
+            <a:pPr algn="ctr"/>
+            <a:endParaRPr lang="fr-FR"/>
+          </a:p>
+        </p:txBody>
+      </p:sp>
+      <p:sp>
+        <p:nvSpPr>
+          <p:cNvPr id="63" name="ZoneTexte 62">
+            <a:extLst>
+              <a:ext uri="{FF2B5EF4-FFF2-40B4-BE49-F238E27FC236}">
+                <a16:creationId xmlns:a16="http://schemas.microsoft.com/office/drawing/2014/main" id="{A6E8DD3B-2451-78C9-8C3E-11F01FCEF979}"/>
+              </a:ext>
+            </a:extLst>
+          </p:cNvPr>
+          <p:cNvSpPr txBox="1"/>
+          <p:nvPr/>
+        </p:nvSpPr>
+        <p:spPr>
+          <a:xfrm>
+            <a:off x="8271933" y="2167670"/>
+            <a:ext cx="2023534" cy="1477328"/>
+          </a:xfrm>
+          <a:prstGeom prst="rect">
+            <a:avLst/>
+          </a:prstGeom>
+          <a:noFill/>
+        </p:spPr>
+        <p:txBody>
+          <a:bodyPr wrap="square" rtlCol="0">
+            <a:spAutoFit/>
+          </a:bodyPr>
+          <a:lstStyle/>
+          <a:p>
+            <a:r>
+              <a:rPr lang="fr-FR" dirty="0"/>
+              <a:t>(</a:t>
+            </a:r>
+            <a:r>
+              <a:rPr lang="fr-FR" dirty="0" err="1"/>
+              <a:t>x,y</a:t>
+            </a:r>
+            <a:r>
+              <a:rPr lang="fr-FR" dirty="0"/>
+              <a:t>)=3,1</a:t>
+            </a:r>
+          </a:p>
+          <a:p>
+            <a:endParaRPr lang="fr-FR" dirty="0"/>
+          </a:p>
+          <a:p>
+            <a:r>
+              <a:rPr lang="fr-FR" dirty="0"/>
+              <a:t>Delta x=5</a:t>
+            </a:r>
+          </a:p>
+          <a:p>
+            <a:r>
+              <a:rPr lang="fr-FR" dirty="0" err="1"/>
+              <a:t>Deltay</a:t>
+            </a:r>
+            <a:r>
+              <a:rPr lang="fr-FR" dirty="0"/>
+              <a:t> = -2</a:t>
+            </a:r>
+          </a:p>
+          <a:p>
+            <a:endParaRPr lang="fr-FR" dirty="0"/>
+          </a:p>
+        </p:txBody>
+      </p:sp>
+    </p:spTree>
+    <p:extLst>
+      <p:ext uri="{BB962C8B-B14F-4D97-AF65-F5344CB8AC3E}">
+        <p14:creationId xmlns:p14="http://schemas.microsoft.com/office/powerpoint/2010/main" val="2140122828"/>
+      </p:ext>
+    </p:extLst>
+  </p:cSld>
+  <p:clrMapOvr>
+    <a:masterClrMapping/>
+  </p:clrMapOvr>
+</p:sld>
+</file>
+
 <file path=ppt/theme/theme1.xml><?xml version="1.0" encoding="utf-8"?>
 <a:theme xmlns:a="http://schemas.openxmlformats.org/drawingml/2006/main" name="Thème Office">
   <a:themeElements>
